--- a/Screenshots/Presentation1.pptx
+++ b/Screenshots/Presentation1.pptx
@@ -7,6 +7,8 @@
   <p:sldIdLst>
     <p:sldId id="256" r:id="rId2"/>
     <p:sldId id="257" r:id="rId3"/>
+    <p:sldId id="258" r:id="rId4"/>
+    <p:sldId id="259" r:id="rId5"/>
   </p:sldIdLst>
   <p:sldSz cx="12192000" cy="6858000"/>
   <p:notesSz cx="6858000" cy="9144000"/>
@@ -105,6 +107,11 @@
       </a:defRPr>
     </a:lvl9pPr>
   </p:defaultTextStyle>
+  <p:extLst>
+    <p:ext uri="{EFAFB233-063F-42B5-8137-9DF3F51BA10A}">
+      <p15:sldGuideLst xmlns:p15="http://schemas.microsoft.com/office/powerpoint/2012/main"/>
+    </p:ext>
+  </p:extLst>
 </p:presentation>
 </file>
 
@@ -156,7 +163,7 @@
     </inkml:brush>
   </inkml:definitions>
   <inkml:trace contextRef="#ctx0" brushRef="#br0">3238 678,'0'0,"-11"0,-8-4,-3-1,-1-3,-1-4,-5 0,-3-1,-8 1,-7 3,-11 3,-9 2,-3 2,-6 2,-7 0,-8 0,-6 1,-13-1,1 1,-1-1,-4 0,9 0,6 0,10-4,4 0,8-5,13 1,9 1,7-2,9 1,6 2,6 1,4-2,1 1,2 1,-4 2,-4-4,4-3,0 1,1 1,2 2,-4-2,-1 1,-3 2,0 1,-3-7,2 1,1 1,2 2,-2-2,2 1,1-2,1 2,-3 1,1-2,1 2,2-4,0 3,2 1,0 2,0 2,1 1,0 1,0-3,1 0,-1 0,0 1,-1 1,-7-4,-1 1,-4 0,-3 2,6-4,3 1,3 1,3 1,1 2,0 1,1 0,-1 1,1 0,-1 0,4 0</inkml:trace>
-  <inkml:trace contextRef="#ctx0" brushRef="#br1" timeOffset="2712.068">3174 615,'0'0,"0"3,9 2,4 0,4-2,7 0,7-2,4 0,0-1,2 0,-3 0,1 0,-2 0,1 0,-3 0,2 0,-3 0,3 0,2 0,1 0,-1 0,2 0,-4 0,-3 0,2 0,-7 4,2 0,-2 0,3 0,0 7,3-1,-2 4,4-2,-7 2,-1-3,-3 2,-1-3,-1 2,0-3,1-1,-1-3,1 2,0-1,0-1,4-2,-4 4,1-2,-6 0</inkml:trace>
+  <inkml:trace contextRef="#ctx0" brushRef="#br1" timeOffset="2712.067">3174 615,'0'0,"0"3,9 2,4 0,4-2,7 0,7-2,4 0,0-1,2 0,-3 0,1 0,-2 0,1 0,-3 0,2 0,-3 0,3 0,2 0,1 0,-1 0,2 0,-4 0,-3 0,2 0,-7 4,2 0,-2 0,3 0,0 7,3-1,-2 4,4-2,-7 2,-1-3,-3 2,-1-3,-1 2,0-3,1-1,-1-3,1 2,0-1,0-1,4-2,-4 4,1-2,-6 0</inkml:trace>
   <inkml:trace contextRef="#ctx0" brushRef="#br2" timeOffset="5495.08">634 0,'0'0,"0"8,-4 2,-4-2,-9-1,-4-1,-7-3,-1-1,1-2,-4 1,3-2,-4 1,-2 0,2-1,3 1,1 4,0 1,1-1,-3 4,6 3,2-1,2-1,0-2,5 1,0-1,-4 2,3 4,3 2,4 7,4 6,6-3,4 0,4-1,0-2,4-4,3-2,2-3,-2 0,1 1,1-3,1 2,1-2,1 1,4 2,2 2,4 2,3 2,0-4,-2-3,-3-5,-6 1,-3-2,-1-2,-4 3,-4-2</inkml:trace>
 </inkml:ink>
 </file>
@@ -223,27 +230,27 @@
   <inkml:trace contextRef="#ctx0" brushRef="#br0">13690 106,'55'-27,"8"10,0 2,2 2,-1 4,1 3,1 2,2 3,66-6,608 0,-486 64,-11-7,-34-29,-170-21,-23-1</inkml:trace>
   <inkml:trace contextRef="#ctx0" brushRef="#br0" timeOffset="1351.965">13542 571,'65'-15,"1"2,1 3,0 3,0 3,0 2,59 8,20-3,522 10,28-5,-508 37,-170-38</inkml:trace>
   <inkml:trace contextRef="#ctx0" brushRef="#br0" timeOffset="2943.794">13478 1079,'2085'0,"-1814"-21,-175 21,-68 0</inkml:trace>
-  <inkml:trace contextRef="#ctx0" brushRef="#br1" timeOffset="979303.446">948 1820,'17'14,"0"0,-1 1,0 0,-1 2,-1 0,-1 0,0 1,-1 1,-1 0,-1 1,-1 0,-1 0,0 1,-2 0,1 5,22 48,235 520,51 63,-208-436,9-6,13 2,-12-13,118 175,-216-355</inkml:trace>
-  <inkml:trace contextRef="#ctx0" brushRef="#br1" timeOffset="981815.537">3403 2053,'-34'54,"-185"214,-226 212,49-107,-23-13,-158 72,-399 243,691-429,257-217,5-5</inkml:trace>
-  <inkml:trace contextRef="#ctx0" brushRef="#br1" timeOffset="960968.128">5499 2921,'-91'-32,"-106"3,161 21,-1 2,1 2,-1 1,1 1,-1 2,0 2,1 2,-10 2,-150 33,115-26,65-12,1 0,-1 2,1 0,-1 0,1 2,0 0,1 0,-1 2,1 0,-11 7,-89 91,111-102,0 0,0 0,0 1,1-1,-1 0,1 1,0 0,-1 0,2 0,-1 0,0 0,1 0,0 0,0 0,0 1,1-1,-1 0,1 1,0-1,0 0,1 1,-1-1,1 0,0 1,0-1,0 0,1 0,-1 0,1 0,0 0,0 0,0-1,1 1,0-1,-1 1,1-1,0 0,1 0,1 2,31 7,1-2,0-1,1-2,-1-2,1-1,0-1,1-3,-1-1,6-2,43 1,-72 2,2 2,0-2,1 0,-1-1,0-1,1 0,-1-1,0-1,-1-1,1 0,-1-1,0-1,5-3,170-136,-83 49,-44 3,-56 75</inkml:trace>
-  <inkml:trace contextRef="#ctx0" brushRef="#br1" timeOffset="964951.596">5202 3048,'-4'7,"1"0,0 0,0 1,0-1,1 1,0-1,1 1,0 0,0 0,0-1,1 1,0 0,1 0,0 4,0 11,-2 22,2 12,-2 0,-3 0,-2-1,-3 1,-2-1,-13 32,-2-10,-4-1,-3-2,-35 57,-75 35,93-90,3 1,4 2,-32 85,11 31,-2 36,16-77,43-137,1 0,0 0,2 0,0 0,1 1,0-1,2 1,0 0,1-1,1 1,2-14,0-1,-1 0,1 0,1-1,-1 1,0-1,1 1,0-1,0 0,0-1,0 1,0-1,0 1,1-1,-1-1,1 1,-1-1,1 1,0-1,0-1,0 1,-1-1,1 1,0-1,0-1,0 1,4-1,18 3,-2 2,113 37,-109-28,0-1,1-2,0-1,1-1,0-1,0-2,1-1,0-1,-1-2,1-2,25-3,-19 4,-20 0</inkml:trace>
-  <inkml:trace contextRef="#ctx0" brushRef="#br1" timeOffset="966872.21">5139 5418,'1'-1,"1"0,-1 0,1 0,-1 0,1 0,0 0,-1 1,1-1,0 0,0 1,-1-1,1 1,0 0,0 0,0 0,0 0,-1 0,1 0,0 0,0 0,0 1,0-1,-1 1,1-1,0 1,-1 0,1 0,0 0,-1-1,1 2,-1-1,1 0,-1 0,0 0,2 2,6 1,1 1,-1 0,0 1,0 0,0 1,-1 0,0 0,-1 0,1 1,-2 0,1 1,-1-1,0 1,-1 0,0 1,1 2,-7-8,-1-1,0 0,0 0,0 0,0 0,0 0,0 0,-1-1,0 1,1-1,-1 1,0-1,0 0,0 0,0-1,-1 1,1-1,0 1,-1-1,1 0,-1 0,1-1,-1 1,1-1,-1 1,-1-1,-15 6,-129 45,129-44</inkml:trace>
-  <inkml:trace contextRef="#ctx0" brushRef="#br1" timeOffset="993550.754">5181 3154,'-17'1,"0"2,0 0,0 1,1 0,-1 2,1 0,0 1,1 0,-1 1,1 1,1 0,0 1,-5 5,15-10,1-1,0 1,-1 0,2 1,-1-1,0 0,1 1,0-1,1 1,-1 0,1 0,0 0,0-1,1 1,0 0,0 0,0 0,1 0,0 0,0 0,0 0,1-1,0 1,2 4,-2 1,3 12</inkml:trace>
-  <inkml:trace contextRef="#ctx0" brushRef="#br1" timeOffset="995048.197">5181 3069,'3'-3,"0"1,0 0,0 0,0 0,1 0,-1 0,0 1,1-1,0 1,-1 0,1 0,0 0,-1 1,1-1,0 1,0 0,-1 0,1 0,0 1,2 0,0-1,9 1,1 0,-1 2,1 0,-1 1,0 0,-1 1,1 1,-1 0,0 1,0 0,-1 1,0 1,0 0,-1 1,0 0,-1 1,0 1,-1-1,0 2,6 10,-7-11</inkml:trace>
-  <inkml:trace contextRef="#ctx0" brushRef="#br1" timeOffset="244288.668">13224 4275,'56'-28,"12"10,2 3,0 3,0 3,18 2,33-5,325-60,-325 58,1 6,0 4,54 9,19-1,371-4,-547 0</inkml:trace>
-  <inkml:trace contextRef="#ctx0" brushRef="#br1" timeOffset="986975.637">13245 2667,'-770'1,"726"1,0 2,0 2,0 2,0 2,2 1,-1 3,2 1,0 2,-19 12,-43 22,3 4,2 4,-4 9,68-40,0 1,2 2,2 1,1 1,1 1,2 2,1 1,2 1,-17 38,-140 232,163-283,-1-2,0 0,-2-1,-1 0,0-2,-1-1,-2 0,-2 0,-181 164,-34 32,27-42,121-104,-33 75,-109 34,-63 31,61-58,48-76,171-72</inkml:trace>
-  <inkml:trace contextRef="#ctx0" brushRef="#br1" timeOffset="988326.731">9012 5080,'-7'300,"9"-296,0-1,1 1,-1-1,1 0,0 0,0 0,0 0,0 0,1-1,-1 1,1-1,-1 0,1 0,0 0,0-1,0 1,0-1,0 0,0 0,0 0,0-1,1 1,-1-1,0 0,0 0,1-1,-1 1,0-1,0 0,0 0,2-1,2 2,227 29,-212-25</inkml:trace>
-  <inkml:trace contextRef="#ctx0" brushRef="#br1" timeOffset="1.5637E6">13817 3450,'-71'19,"-311"-38,219 3,104 4,0 3,-1 3,0 2,0 3,-44 5,-20-2,106-3,0 1,-1 1,1 0,0 1,0 1,0 1,1 0,-1 2,1 0,0 1,1 0,-1 1,1 1,1 1,0 0,0 1,1 1,1 0,0 1,0 0,1 2,2 4,1-1,1 2,0 0,2 0,1 0,0 0,1 1,1 0,1 6,-8 38,-33 276,39-327,0 0,-1-1,0 1,-1-1,-1 0,0-1,-1 0,0 0,0 0,-2-1,1 0,-1-1,-1 0,0-1,0 0,-1-1,0 0,0 0,-1-2,0 1,0-2,-1 0,1 0,-10 1,-6 1,23-6,1-1,-1 1,1-1,-1 2,1-1,-1 1,1-1,-1 1,1 1,0-1,0 1,0 0,1 0,-1 1,1-1,0 1,0 0,0 0,0 0,0 1,1-1,0 1,0 0,0 0,1 0,0 0,0 0,0 1,-1 3,6 227,19-54,-22-68,0-96</inkml:trace>
-  <inkml:trace contextRef="#ctx0" brushRef="#br1" timeOffset="1.56819E6">11616 5165,'5'1,"0"0,0 0,0 0,0 1,0 0,0 0,0 0,0 0,-1 1,0 0,1 0,-1 0,0 1,0-1,0 1,-1 0,0 0,1 0,-1 1,-1-1,1 1,-1-1,1 1,-1 0,-1 0,2 4,35 141,-38-147,6 31,-2 0,2 0,1-1,1 1,2-2,1 1,2-1,13 21,-24-42,-15-39,11 24,0 0,0 0,1 0,0 0,0 0,0 0,0 0,0 0,1-1,0 1,0 0,0 0,1 0,-1-1,1 1,0 0,0 0,0 0,1 0,-1 0,1 0,0 1,0-1,0 0,1 1,-1 0,1-1,0 1,0 0,0 0,0 1,1-1,3-1,0 0,-4 1,0 0,0 1,1-1,-1 0,1 1,0 0,0 0,0 0,0 1,0-1,0 1,0 0,1 0,-1 0,0 1,1-1,-1 1,0 0,1 0,-1 1,0-1,1 1,-1 0,0 0,0 1,0-1,0 1,0 0,0 0,0 0,0 0,-1 1,1 0,-1 0,0-1,0 2,0-1,3 4,56 131,-51-123</inkml:trace>
-  <inkml:trace contextRef="#ctx0" brushRef="#br1" timeOffset="1.56921E6">12272 5694,'0'-4,"0"-4,0-5,0-4,0-2,0-2,0-1,0 0,0 0,3 0,6 1,0-1,3 4,6 2,1-1,3 3,3 4,-4 4</inkml:trace>
-  <inkml:trace contextRef="#ctx0" brushRef="#br1" timeOffset="1.571E6">12822 5376,'-35'-1,"22"0,0 0,0 0,0 1,0 1,0 0,0 1,1 0,-1 1,1 1,-1 0,1 0,0 1,0 1,-7 4,18-9,-1 1,0-1,1 1,0-1,-1 1,1-1,0 1,-1 0,1 0,0 0,1-1,-1 1,0 0,0 0,1 0,-1 0,1 0,0 0,-1 1,1-1,0 0,0 0,0 0,1 0,-1 0,0 0,1 0,-1 0,1 0,0 0,0 0,0 0,0 0,0 0,0-1,0 1,1 0,-1-1,0 1,1-1,0 0,-1 1,75 56,-42-42,-31-15,1 0,-1 0,0 0,0 0,0 1,0-1,0 1,-1-1,1 1,0 0,-1 1,0-1,1 0,-1 1,0-1,0 1,0-1,0 1,-1 0,1 0,-1 0,0 0,1 0,-1 0,-1 0,1 1,0 1,0-2,0 1,-1 0,1 0,-1 0,0 0,0-1,0 1,-1 0,1 0,-1 0,0 0,0-1,0 1,-1 0,1-1,-1 1,0-1,0 0,0 0,0 1,-1-1,1-1,-1 1,0 0,0 0,0-1,0 0,0 0,0 0,-1 0,1 0,-1-1,1 1,-1-1,0 0,1 0,-1 0,0-1,0 1,0-1,0 0,1 0,-1 0,0 0,0-1,0 0,-83-2,68 3</inkml:trace>
-  <inkml:trace contextRef="#ctx0" brushRef="#br1" timeOffset="1.58622E6">17627 1482,'65'-38,"105"16,-114 10,0 3,1 3,0 2,0 2,1 3,2 3,67-1,389 27,-188 0,125 44,-186-59,-180-16,-20-11,-45 3</inkml:trace>
-  <inkml:trace contextRef="#ctx0" brushRef="#br1" timeOffset="1.58826E6">17584 1969,'33'-34,"1"15,1 2,0 1,1 2,1 2,0 1,0 1,1 3,0 1,1 1,-1 3,1 1,38 4,307 27,-259 0,167 21,23 4,358-49,-470-44,-178 29</inkml:trace>
-  <inkml:trace contextRef="#ctx0" brushRef="#br1" timeOffset="2.01987E6">23152 360,'-1086'0,"1080"0,0 0,0 0,0 1,0 0,0 0,1 0,-1 1,1 0,-1 0,1 0,-1 1,1 0,0 0,0 0,0 1,1-1,-1 1,1 0,0 0,0 1,0 0,1-1,0 1,0 0,0 0,0 1,1-1,0 1,0-1,0 1,1-1,-1 1,1 0,0 5,1-7,-1 1,0 0,1 0,0-1,0 1,1 0,-1 0,1-1,0 1,0 0,0-1,1 1,0-1,0 0,0 1,0-1,1 0,-1 0,1 0,0-1,0 1,1-1,-1 0,1 0,-1 0,1 0,0 0,0-1,1 0,-1 1,0-2,1 1,-1 0,1-1,-1 0,1 0,0 0,-1-1,1 0,0 0,0 0,-1 0,5-1,247-4,-45-16,135-22,-40 44,-299-2,-1 0,1 0,-1-1,1 0,-1 0,0-1,0 1,0-1,-1-1,1 1,-1-1,1 0,-1 0,0 0,-1-1,1 0,-1 0,0 0,0 0,0-1,-1 1,0-1,0 0,-1 0,1 0,-1-1,0 1,-1 0,0-1,0 1,0-1,-1 1,0-1,0 0,0 1,-1-1,0 1,-2-7,0 10,0-1,0 0,0 1,0-1,-1 1,1 0,-1 0,0 0,0 1,0-1,0 1,0 0,-1 0,1 0,0 1,-1 0,0-1,1 2,-1-1,0 0,1 1,-1 0,0 0,0 1,1-1,-1 1,-1 0,3-1,-19 1</inkml:trace>
-  <inkml:trace contextRef="#ctx0" brushRef="#br1" timeOffset="2.02473E6">6007 5058,'-75'-1,"48"-1,0 0,0 1,-1 2,1 1,0 1,0 2,1 0,-1 2,1 1,0 0,1 2,-17 10,22-7,11-10,0 1,1 1,0-1,0 1,0 1,0-1,1 1,0 1,1-1,-1 1,1 0,0 1,1-1,0 1,0 0,1 1,0-1,0 1,1 0,0 0,0 0,1 0,0 0,1 2,0-3,1-1,0 1,0-1,1 1,0-1,0 1,1-1,-1 1,2-1,-1 0,1 0,0 0,1-1,-1 1,2-1,-1 1,0-1,1-1,0 1,1-1,-1 0,1 0,0 0,0-1,0 0,1 0,0 0,-1-1,1 0,0 0,1-1,-1 0,0 0,1-1,-1 0,1 0,3-1,135-33,-36-1,-100 35,-1 0,0-1,1-1,-1 0,1 0,-1 0,0-1,0-1,0 0,0 0,0 0,-1-1,1-1,-1 1,0-1,-1-1,1 1,-1-1,0-1,0 1,-1-1,0-1,0 1,-1-1,0 0,0 0,0 0,-1-1,-1 1,0-1,0 0,1-5,-12-199,4 194</inkml:trace>
-  <inkml:trace contextRef="#ctx0" brushRef="#br1" timeOffset="2.03094E6">6007 5355,'54'117,"26"14,6-3,5-3,5-5,19 10,-40-53,3-3,4-4,2-3,3-5,2-3,4-4,26 9,8-10,2-6,3-5,125 23,-95-25,271 66,229 18,710 51,-740-124,89-27,-286-6,-149-2,1-14,9-12,-200-4,-2-5,0-3,-1-5,-2-4,0-3,-3-5,-1-3,-2-4,-2-4,28-24,830-516,-627 367,-10-13,41-58,-60 50,-252 219,2 0,0 2,1 2,1 1,1 2,0 2,1 1,1 2,0 2,423-148,-23-9,-243 75,-112 55,-2-3,-2-3,-1-4,14-16,287-201,-255 174,-64 43,2 2,2 3,2 3,1 4,18-6,207-80,-68 27,-18-10,6-13,-173 100,0-2,-2-2,-1-1,0-2,-2-1,-1-2,-1-2,-1-1,11-16,126-122,-158 158,0 0,0-1,-1-1,-1 0,0 0,0-1,-1 0,-1-1,0 0,-1 0,-1-1,0 0,0-1,0-12,2 0,1 1,1 0,1 0,2 1,0 1,2 0,1 1,1 0,0 2,17-17,-17 27,-1-1,-1-1,0 0,-1-1,-1-1,0 0,-1-1,-1 0,0 0,-2-2,0 1,-1-1,0 0,-2-1,-1 0,0 0,-1 0,16-270,78-63,-88 129,-13 134,4-556,19 485,25-93,19 148,-36 71,-14 23,0 0,0 1,1 0,0 1,1 1,0 1,1 0,0 1,0 0,0 2,1 0,0 1,0 0,0 2,0 0,0 1,0 1,1 1,-1 0,0 1,2 2,-17-3,0 0,0 1,0-1,0 1,0 0,0 0,-1 0,1 0,-1 0,0 1,1-1,-1 1,0-1,0 1,-1 0,1 0,0 0,-1 0,0 0,0 0,0 0,0 0,0 1,-1-1,1 0,-1 0,0 1,0-1,0 0,0 1,-1-1,1 0,-1 1,0-1,7 51,97 96,-89-132</inkml:trace>
-  <inkml:trace contextRef="#ctx0" brushRef="#br1" timeOffset="-2.14748E6">17500 445,'71'4,"1"2,-1 4,0 3,28 11,-67-16,539 90,-536-91,-6 0,0-1,1-1,-1-1,1-2,0-1,-1-2,1 0,12-4,226-125,-9-24,-236 143,1 2,0 1,0 1,0 1,1 1,0 1,0 2,12 0,-14 2,-1-2,-1 2,1 1,-1 0,0 2,0 0,0 1,0 2,0 0,-1 1,3 2,167 96,-20-2,-147-84</inkml:trace>
-  <inkml:trace contextRef="#ctx0" brushRef="#br1" timeOffset="-2.14748E6">17839 783,'120'84,"-97"-61,1-2,1-1,1-1,0-1,1-1,1-2,1 0,0-2,1-1,0-2,0-1,28 5,273 34,-230-30,-76-11,0-2,1-1,-1 0,1-2,0-1,0-1,0-1,-1-2,1 0,-1-2,14-4,25-13,-20 4,1 3,0 1,1 3,0 1,1 3,-1 2,12 1,34 7,-57 0,0-1,-1-2,1-1,0-2,0-2,-1-1,16-5,-17-4,0-1,-1-1,-1-2,0-1,-2-1,9-10,-21 17</inkml:trace>
+  <inkml:trace contextRef="#ctx0" brushRef="#br1" timeOffset="120309.985">948 1820,'17'14,"0"0,-1 1,0 0,-1 2,-1 0,-1 0,0 1,-1 1,-1 0,-1 1,-1 0,-1 0,0 1,-2 0,1 5,22 48,235 520,51 63,-208-436,9-6,13 2,-12-13,118 175,-216-355</inkml:trace>
+  <inkml:trace contextRef="#ctx0" brushRef="#br1" timeOffset="122822.077">3403 2053,'-34'54,"-185"214,-226 212,49-107,-23-13,-158 72,-399 243,691-429,257-217,5-5</inkml:trace>
+  <inkml:trace contextRef="#ctx0" brushRef="#br1" timeOffset="101974.668">5499 2921,'-91'-32,"-106"3,161 21,-1 2,1 2,-1 1,1 1,-1 2,0 2,1 2,-10 2,-150 33,115-26,65-12,1 0,-1 2,1 0,-1 0,1 2,0 0,1 0,-1 2,1 0,-11 7,-89 91,111-102,0 0,0 0,0 1,1-1,-1 0,1 1,0 0,-1 0,2 0,-1 0,0 0,1 0,0 0,0 0,0 1,1-1,-1 0,1 1,0-1,0 0,1 1,-1-1,1 0,0 1,0-1,0 0,1 0,-1 0,1 0,0 0,0 0,0-1,1 1,0-1,-1 1,1-1,0 0,1 0,1 2,31 7,1-2,0-1,1-2,-1-2,1-1,0-1,1-3,-1-1,6-2,43 1,-72 2,2 2,0-2,1 0,-1-1,0-1,1 0,-1-1,0-1,-1-1,1 0,-1-1,0-1,5-3,170-136,-83 49,-44 3,-56 75</inkml:trace>
+  <inkml:trace contextRef="#ctx0" brushRef="#br1" timeOffset="105958.136">5202 3048,'-4'7,"1"0,0 0,0 1,0-1,1 1,0-1,1 1,0 0,0 0,0-1,1 1,0 0,1 0,0 4,0 11,-2 22,2 12,-2 0,-3 0,-2-1,-3 1,-2-1,-13 32,-2-10,-4-1,-3-2,-35 57,-75 35,93-90,3 1,4 2,-32 85,11 31,-2 36,16-77,43-137,1 0,0 0,2 0,0 0,1 1,0-1,2 1,0 0,1-1,1 1,2-14,0-1,-1 0,1 0,1-1,-1 1,0-1,1 1,0-1,0 0,0-1,0 1,0-1,0 1,1-1,-1-1,1 1,-1-1,1 1,0-1,0-1,0 1,-1-1,1 1,0-1,0-1,0 1,4-1,18 3,-2 2,113 37,-109-28,0-1,1-2,0-1,1-1,0-1,0-2,1-1,0-1,-1-2,1-2,25-3,-19 4,-20 0</inkml:trace>
+  <inkml:trace contextRef="#ctx0" brushRef="#br1" timeOffset="107878.75">5139 5418,'1'-1,"1"0,-1 0,1 0,-1 0,1 0,0 0,-1 1,1-1,0 0,0 1,-1-1,1 1,0 0,0 0,0 0,0 0,-1 0,1 0,0 0,0 0,0 1,0-1,-1 1,1-1,0 1,-1 0,1 0,0 0,-1-1,1 2,-1-1,1 0,-1 0,0 0,2 2,6 1,1 1,-1 0,0 1,0 0,0 1,-1 0,0 0,-1 0,1 1,-2 0,1 1,-1-1,0 1,-1 0,0 1,1 2,-7-8,-1-1,0 0,0 0,0 0,0 0,0 0,0 0,-1-1,0 1,1-1,-1 1,0-1,0 0,0 0,0-1,-1 1,1-1,0 1,-1-1,1 0,-1 0,1-1,-1 1,1-1,-1 1,-1-1,-15 6,-129 45,129-44</inkml:trace>
+  <inkml:trace contextRef="#ctx0" brushRef="#br1" timeOffset="134557.294">5181 3154,'-17'1,"0"2,0 0,0 1,1 0,-1 2,1 0,0 1,1 0,-1 1,1 1,1 0,0 1,-5 5,15-10,1-1,0 1,-1 0,2 1,-1-1,0 0,1 1,0-1,1 1,-1 0,1 0,0 0,0-1,1 1,0 0,0 0,0 0,1 0,0 0,0 0,0 0,1-1,0 1,2 4,-2 1,3 12</inkml:trace>
+  <inkml:trace contextRef="#ctx0" brushRef="#br1" timeOffset="136054.736">5181 3069,'3'-3,"0"1,0 0,0 0,0 0,1 0,-1 0,0 1,1-1,0 1,-1 0,1 0,0 0,-1 1,1-1,0 1,0 0,-1 0,1 0,0 1,2 0,0-1,9 1,1 0,-1 2,1 0,-1 1,0 0,-1 1,1 1,-1 0,0 1,0 0,-1 1,0 1,0 0,-1 1,0 0,-1 1,0 1,-1-1,0 2,6 10,-7-11</inkml:trace>
+  <inkml:trace contextRef="#ctx0" brushRef="#br1" timeOffset="-185208.062">13224 4275,'56'-28,"12"10,2 3,0 3,0 3,18 2,33-5,325-60,-325 58,1 6,0 4,54 9,19-1,371-4,-547 0</inkml:trace>
+  <inkml:trace contextRef="#ctx0" brushRef="#br1" timeOffset="127982.177">13245 2667,'-770'1,"726"1,0 2,0 2,0 2,0 2,2 1,-1 3,2 1,0 2,-19 12,-43 22,3 4,2 4,-4 9,68-40,0 1,2 2,2 1,1 1,1 1,2 2,1 1,2 1,-17 38,-140 232,163-283,-1-2,0 0,-2-1,-1 0,0-2,-1-1,-2 0,-2 0,-181 164,-34 32,27-42,121-104,-33 75,-109 34,-63 31,61-58,48-76,171-72</inkml:trace>
+  <inkml:trace contextRef="#ctx0" brushRef="#br1" timeOffset="129333.271">9012 5080,'-7'300,"9"-296,0-1,1 1,-1-1,1 0,0 0,0 0,0 0,0 0,1-1,-1 1,1-1,-1 0,1 0,0 0,0-1,0 1,0-1,0 0,0 0,0 0,0-1,1 1,-1-1,0 0,0 0,1-1,-1 1,0-1,0 0,0 0,2-1,2 2,227 29,-212-25</inkml:trace>
+  <inkml:trace contextRef="#ctx0" brushRef="#br1" timeOffset="-154286.92">13817 3450,'-71'19,"-311"-38,219 3,104 4,0 3,-1 3,0 2,0 3,-44 5,-20-2,106-3,0 1,-1 1,1 0,0 1,0 1,0 1,1 0,-1 2,1 0,0 1,1 0,-1 1,1 1,1 1,0 0,0 1,1 1,1 0,0 1,0 0,1 2,2 4,1-1,1 2,0 0,2 0,1 0,0 0,1 1,1 0,1 6,-8 38,-33 276,39-327,0 0,-1-1,0 1,-1-1,-1 0,0-1,-1 0,0 0,0 0,-2-1,1 0,-1-1,-1 0,0-1,0 0,-1-1,0 0,0 0,-1-2,0 1,0-2,-1 0,1 0,-10 1,-6 1,23-6,1-1,-1 1,1-1,-1 2,1-1,-1 1,1-1,-1 1,1 1,0-1,0 1,0 0,1 0,-1 1,1-1,0 1,0 0,0 0,0 0,0 1,1-1,0 1,0 0,0 0,1 0,0 0,0 0,0 1,-1 3,6 227,19-54,-22-68,0-96</inkml:trace>
+  <inkml:trace contextRef="#ctx0" brushRef="#br1" timeOffset="-149796.919">11616 5165,'5'1,"0"0,0 0,0 0,0 1,0 0,0 0,0 0,0 0,-1 1,0 0,1 0,-1 0,0 1,0-1,0 1,-1 0,0 0,1 0,-1 1,-1-1,1 1,-1-1,1 1,-1 0,-1 0,2 4,35 141,-38-147,6 31,-2 0,2 0,1-1,1 1,2-2,1 1,2-1,13 21,-24-42,-15-39,11 24,0 0,0 0,1 0,0 0,0 0,0 0,0 0,0 0,1-1,0 1,0 0,0 0,1 0,-1-1,1 1,0 0,0 0,0 0,1 0,-1 0,1 0,0 1,0-1,0 0,1 1,-1 0,1-1,0 1,0 0,0 0,0 1,1-1,3-1,0 0,-4 1,0 0,0 1,1-1,-1 0,1 1,0 0,0 0,0 0,0 1,0-1,0 1,0 0,1 0,-1 0,0 1,1-1,-1 1,0 0,1 0,-1 1,0-1,1 1,-1 0,0 0,0 1,0-1,0 1,0 0,0 0,0 0,0 0,-1 1,1 0,-1 0,0-1,0 2,0-1,3 4,56 131,-51-123</inkml:trace>
+  <inkml:trace contextRef="#ctx0" brushRef="#br1" timeOffset="-148776.919">12272 5694,'0'-4,"0"-4,0-5,0-4,0-2,0-2,0-1,0 0,0 0,3 0,6 1,0-1,3 4,6 2,1-1,3 3,3 4,-4 4</inkml:trace>
+  <inkml:trace contextRef="#ctx0" brushRef="#br1" timeOffset="-146986.919">12822 5376,'-35'-1,"22"0,0 0,0 0,0 1,0 1,0 0,0 1,1 0,-1 1,1 1,-1 0,1 0,0 1,0 1,-7 4,18-9,-1 1,0-1,1 1,0-1,-1 1,1-1,0 1,-1 0,1 0,0 0,1-1,-1 1,0 0,0 0,1 0,-1 0,1 0,0 0,-1 1,1-1,0 0,0 0,0 0,1 0,-1 0,0 0,1 0,-1 0,1 0,0 0,0 0,0 0,0 0,0 0,0-1,0 1,1 0,-1-1,0 1,1-1,0 0,-1 1,75 56,-42-42,-31-15,1 0,-1 0,0 0,0 0,0 1,0-1,0 1,-1-1,1 1,0 0,-1 1,0-1,1 0,-1 1,0-1,0 1,0-1,0 1,-1 0,1 0,-1 0,0 0,1 0,-1 0,-1 0,1 1,0 1,0-2,0 1,-1 0,1 0,-1 0,0 0,0-1,0 1,-1 0,1 0,-1 0,0 0,0-1,0 1,-1 0,1-1,-1 1,0-1,0 0,0 0,0 1,-1-1,1-1,-1 1,0 0,0 0,0-1,0 0,0 0,0 0,-1 0,1 0,-1-1,1 1,-1-1,0 0,1 0,-1 0,0-1,0 1,0-1,0 0,1 0,-1 0,0 0,0-1,0 0,-83-2,68 3</inkml:trace>
+  <inkml:trace contextRef="#ctx0" brushRef="#br1" timeOffset="-131766.919">17627 1482,'65'-38,"105"16,-114 10,0 3,1 3,0 2,0 2,1 3,2 3,67-1,389 27,-188 0,125 44,-186-59,-180-16,-20-11,-45 3</inkml:trace>
+  <inkml:trace contextRef="#ctx0" brushRef="#br1" timeOffset="-129726.919">17584 1969,'33'-34,"1"15,1 2,0 1,1 2,1 2,0 1,0 1,1 3,0 1,1 1,-1 3,1 1,38 4,307 27,-259 0,167 21,23 4,358-49,-470-44,-178 29</inkml:trace>
+  <inkml:trace contextRef="#ctx0" brushRef="#br1" timeOffset="-127613.649">23152 360,'-1086'0,"1080"0,0 0,0 0,0 1,0 0,0 0,1 0,-1 1,1 0,-1 0,1 0,-1 1,1 0,0 0,0 0,0 1,1-1,-1 1,1 0,0 0,0 1,0 0,1-1,0 1,0 0,0 0,0 1,1-1,0 1,0-1,0 1,1-1,-1 1,1 0,0 5,1-7,-1 1,0 0,1 0,0-1,0 1,1 0,-1 0,1-1,0 1,0 0,0-1,1 1,0-1,0 0,0 1,0-1,1 0,-1 0,1 0,0-1,0 1,1-1,-1 0,1 0,-1 0,1 0,0 0,0-1,1 0,-1 1,0-2,1 1,-1 0,1-1,-1 0,1 0,0 0,-1-1,1 0,0 0,0 0,-1 0,5-1,247-4,-45-16,135-22,-40 44,-299-2,-1 0,1 0,-1-1,1 0,-1 0,0-1,0 1,0-1,-1-1,1 1,-1-1,1 0,-1 0,0 0,-1-1,1 0,-1 0,0 0,0 0,0-1,-1 1,0-1,0 0,-1 0,1 0,-1-1,0 1,-1 0,0-1,0 1,0-1,-1 1,0-1,0 0,0 1,-1-1,0 1,-2-7,0 10,0-1,0 0,0 1,0-1,-1 1,1 0,-1 0,0 0,0 1,0-1,0 1,0 0,-1 0,1 0,0 1,-1 0,0-1,1 2,-1-1,0 0,1 1,-1 0,0 0,0 1,1-1,-1 1,-1 0,3-1,-19 1</inkml:trace>
+  <inkml:trace contextRef="#ctx0" brushRef="#br1" timeOffset="-122753.648">6007 5058,'-75'-1,"48"-1,0 0,0 1,-1 2,1 1,0 1,0 2,1 0,-1 2,1 1,0 0,1 2,-17 10,22-7,11-10,0 1,1 1,0-1,0 1,0 1,0-1,1 1,0 1,1-1,-1 1,1 0,0 1,1-1,0 1,0 0,1 1,0-1,0 1,1 0,0 0,0 0,1 0,0 0,1 2,0-3,1-1,0 1,0-1,1 1,0-1,0 1,1-1,-1 1,2-1,-1 0,1 0,0 0,1-1,-1 1,2-1,-1 1,0-1,1-1,0 1,1-1,-1 0,1 0,0 0,0-1,0 0,1 0,0 0,-1-1,1 0,0 0,1-1,-1 0,0 0,1-1,-1 0,1 0,3-1,135-33,-36-1,-100 35,-1 0,0-1,1-1,-1 0,1 0,-1 0,0-1,0-1,0 0,0 0,0 0,-1-1,1-1,-1 1,0-1,-1-1,1 1,-1-1,0-1,0 1,-1-1,0-1,0 1,-1-1,0 0,0 0,0 0,-1-1,-1 1,0-1,0 0,1-5,-12-199,4 194</inkml:trace>
+  <inkml:trace contextRef="#ctx0" brushRef="#br1" timeOffset="-116543.649">6007 5355,'54'117,"26"14,6-3,5-3,5-5,19 10,-40-53,3-3,4-4,2-3,3-5,2-3,4-4,26 9,8-10,2-6,3-5,125 23,-95-25,271 66,229 18,710 51,-740-124,89-27,-286-6,-149-2,1-14,9-12,-200-4,-2-5,0-3,-1-5,-2-4,0-3,-3-5,-1-3,-2-4,-2-4,28-24,830-516,-627 367,-10-13,41-58,-60 50,-252 219,2 0,0 2,1 2,1 1,1 2,0 2,1 1,1 2,0 2,423-148,-23-9,-243 75,-112 55,-2-3,-2-3,-1-4,14-16,287-201,-255 174,-64 43,2 2,2 3,2 3,1 4,18-6,207-80,-68 27,-18-10,6-13,-173 100,0-2,-2-2,-1-1,0-2,-2-1,-1-2,-1-2,-1-1,11-16,126-122,-158 158,0 0,0-1,-1-1,-1 0,0 0,0-1,-1 0,-1-1,0 0,-1 0,-1-1,0 0,0-1,0-12,2 0,1 1,1 0,1 0,2 1,0 1,2 0,1 1,1 0,0 2,17-17,-17 27,-1-1,-1-1,0 0,-1-1,-1-1,0 0,-1-1,-1 0,0 0,-2-2,0 1,-1-1,0 0,-2-1,-1 0,0 0,-1 0,16-270,78-63,-88 129,-13 134,4-556,19 485,25-93,19 148,-36 71,-14 23,0 0,0 1,1 0,0 1,1 1,0 1,1 0,0 1,0 0,0 2,1 0,0 1,0 0,0 2,0 0,0 1,0 1,1 1,-1 0,0 1,2 2,-17-3,0 0,0 1,0-1,0 1,0 0,0 0,-1 0,1 0,-1 0,0 1,1-1,-1 1,0-1,0 1,-1 0,1 0,0 0,-1 0,0 0,0 0,0 0,0 0,0 1,-1-1,1 0,-1 0,0 1,0-1,0 0,0 1,-1-1,1 0,-1 1,0-1,7 51,97 96,-89-132</inkml:trace>
+  <inkml:trace contextRef="#ctx0" brushRef="#br1" timeOffset="3.647">17500 445,'71'4,"1"2,-1 4,0 3,28 11,-67-16,539 90,-536-91,-6 0,0-1,1-1,-1-1,1-2,0-1,-1-2,1 0,12-4,226-125,-9-24,-236 143,1 2,0 1,0 1,0 1,1 1,0 1,0 2,12 0,-14 2,-1-2,-1 2,1 1,-1 0,0 2,0 0,0 1,0 2,0 0,-1 1,3 2,167 96,-20-2,-147-84</inkml:trace>
+  <inkml:trace contextRef="#ctx0" brushRef="#br1" timeOffset="3.647">17839 783,'120'84,"-97"-61,1-2,1-1,1-1,0-1,1-1,1-2,1 0,0-2,1-1,0-2,0-1,28 5,273 34,-230-30,-76-11,0-2,1-1,-1 0,1-2,0-1,0-1,0-1,-1-2,1 0,-1-2,14-4,25-13,-20 4,1 3,0 1,1 3,0 1,1 3,-1 2,12 1,34 7,-57 0,0-1,-1-2,1-1,0-2,0-2,-1-1,16-5,-17-4,0-1,-1-1,-1-2,0-1,-2-1,9-10,-21 17</inkml:trace>
 </inkml:ink>
 </file>
 
@@ -273,7 +280,140 @@
   <inkml:trace contextRef="#ctx0" brushRef="#br0">6648 825,'-196'-30,"-134"-32,200 33,0 6,-98-4,9 9,167 7,-2 3,1 1,-1 4,1 1,-1 3,-9 3,-65-1,-509-3,310-42,52-1,100 5,107 32,44 5,0-1,1-1,-1 0,1-2,0-1,0-1,1-1,0 0,-1-2,-45-21,-2 2,0 4,-2 4,-33-5,80 19,-43-11,0 3,-1 3,-1 4,-63-1,105 10</inkml:trace>
   <inkml:trace contextRef="#ctx0" brushRef="#br0" timeOffset="4463.469">2288 232,'7'3,"1"0,-1 0,0 0,0 1,0 0,-1 0,1 1,-1 0,0 0,0 1,-1-1,1 1,-1 0,-1 1,1-1,-1 1,2 4,17 19,163 187,-120-145,-50-58</inkml:trace>
   <inkml:trace contextRef="#ctx0" brushRef="#br0" timeOffset="5895.755">2309 168,'0'-3,"3"-2,13 1,14-3,8-4,10 0,3-2,1-2,5-2,-7-2,-4 2,-3 4,-6 5,-5-1,-4 2,-4 2,-5 2</inkml:trace>
-  <inkml:trace contextRef="#ctx0" brushRef="#br0" timeOffset="-2.14748E6">1420 486,'-7'-4,"0"1,-1-1,1 2,-1-1,1 1,-1 0,0 0,0 1,0 0,0 1,0 0,1 0,-1 0,-6 2,-7-2,-75 1,-274-21,264 6,-1 5,0 4,0 6,-10 4,100-3,1 0,0 1,0 0,0 2,1 0,0 0,-1 2,2 0,-1 0,1 1,0 1,-11 10,20-15,0 1,0 1,0-1,0 0,1 1,0 0,0 0,1 1,0-1,0 1,0-1,1 1,0 0,0 0,1 0,0 0,0 0,0 0,1 1,0-1,1 0,0 0,0 0,0 0,1 0,0 0,0 0,1 0,0-1,0 1,0-1,1 0,0 0,0 0,1-1,-1 1,1-1,2 1,29 11,0-2,0-2,2-1,-1-2,2-2,-1-1,1-2,14-1,318 45,-34 11,-293-60,0 2,1 2,-1 2,0 2,42 13,-39-12,0-1,0-2,0-3,1-1,0-3,-1-2,0-1,8-5,83-3,106-48,-172 36,259-88,-325 109,0 1,0-1,-1 0,0 0,1-1,-1 0,0 0,-1 0,1 0,-1-1,0 1,0-1,0 0,-1-1,0 1,0-1,0 1,0-1,-1 0,0 0,-1 0,1 0,-1 0,0 0,0-1,-1 1,0 0,0 0,-1-1,1 1,-1 0,-1 0,1 0,-1 0,0 0,0 0,-3-5,-13 2,0 1,0 0,-1 1,0 1,-1 1,1 1,-1 0,0 1,1 2,-1 0,0 1,0 1,0 0,-11 4,-28-3,-312-60,-262 54,615 4</inkml:trace>
+  <inkml:trace contextRef="#ctx0" brushRef="#br0" timeOffset="3.647">1420 486,'-7'-4,"0"1,-1-1,1 2,-1-1,1 1,-1 0,0 0,0 1,0 0,0 1,0 0,1 0,-1 0,-6 2,-7-2,-75 1,-274-21,264 6,-1 5,0 4,0 6,-10 4,100-3,1 0,0 1,0 0,0 2,1 0,0 0,-1 2,2 0,-1 0,1 1,0 1,-11 10,20-15,0 1,0 1,0-1,0 0,1 1,0 0,0 0,1 1,0-1,0 1,0-1,1 1,0 0,0 0,1 0,0 0,0 0,0 0,1 1,0-1,1 0,0 0,0 0,0 0,1 0,0 0,0 0,1 0,0-1,0 1,0-1,1 0,0 0,0 0,1-1,-1 1,1-1,2 1,29 11,0-2,0-2,2-1,-1-2,2-2,-1-1,1-2,14-1,318 45,-34 11,-293-60,0 2,1 2,-1 2,0 2,42 13,-39-12,0-1,0-2,0-3,1-1,0-3,-1-2,0-1,8-5,83-3,106-48,-172 36,259-88,-325 109,0 1,0-1,-1 0,0 0,1-1,-1 0,0 0,-1 0,1 0,-1-1,0 1,0-1,0 0,-1-1,0 1,0-1,0 1,0-1,-1 0,0 0,-1 0,1 0,-1 0,0 0,0-1,-1 1,0 0,0 0,-1-1,1 1,-1 0,-1 0,1 0,-1 0,0 0,0 0,-3-5,-13 2,0 1,0 0,-1 1,0 1,-1 1,1 1,-1 0,0 1,1 2,-1 0,0 1,0 1,0 0,-11 4,-28-3,-312-60,-262 54,615 4</inkml:trace>
+</inkml:ink>
+</file>
+
+<file path=ppt/ink/ink5.xml><?xml version="1.0" encoding="utf-8"?>
+<inkml:ink xmlns:inkml="http://www.w3.org/2003/InkML">
+  <inkml:definitions>
+    <inkml:context xml:id="ctx0">
+      <inkml:inkSource xml:id="inkSrc0">
+        <inkml:traceFormat>
+          <inkml:channel name="X" type="integer" min="-2.14748E9" max="2.14748E9" units="cm"/>
+          <inkml:channel name="Y" type="integer" min="-2.14748E9" max="2.14748E9" units="cm"/>
+        </inkml:traceFormat>
+        <inkml:channelProperties>
+          <inkml:channelProperty channel="X" name="resolution" value="1000" units="1/cm"/>
+          <inkml:channelProperty channel="Y" name="resolution" value="1000" units="1/cm"/>
+        </inkml:channelProperties>
+      </inkml:inkSource>
+      <inkml:timestamp xml:id="ts0" timeString="2020-10-26T22:37:24.612"/>
+    </inkml:context>
+    <inkml:brush xml:id="br0">
+      <inkml:brushProperty name="width" value="0.05" units="cm"/>
+      <inkml:brushProperty name="height" value="0.05" units="cm"/>
+      <inkml:brushProperty name="color" value="#E71224"/>
+      <inkml:brushProperty name="ignorePressure" value="1"/>
+    </inkml:brush>
+  </inkml:definitions>
+  <inkml:trace contextRef="#ctx0" brushRef="#br0">3802 216,'-520'13,"295"31,-133 152,357-196,0 0,0 0,0 0,1 0,-1 0,0 0,0 1,0-1,0 0,0 0,0 1,1-1,-1 1,0-1,0 1,1-1,-1 1,0 0,1-1,-1 1,0 0,1-1,-1 1,1 0,-1 0,1 0,0-1,-1 1,1 0,0 0,-1 0,1 0,0 0,0 0,0 0,0-1,0 1,0 0,0 0,0 0,0 0,1 0,-1 0,0 0,0 0,1-1,-1 1,1 0,-1 0,1 0,-1-1,1 1,-1 0,1-1,0 1,-1 0,1-1,0 1,0 0,6 8,-7-7,0 0,1 0,-1 0,0 0,-1 0,1 0,0 0,0 0,-1 0,1 0,-1 0,0 0,1-1,-1 1,0 0,0 0,0-1,-1 1,1 0,0-1,0 0,-1 1,1-1,-1 0,1 1,-1-1,0 0,1 0,-1 0,0 0,0-1,0 1,0-1,0 1,0-1,0 1,1-1,-3 0,-12 8,-3 4,0 0,1 1,0 0,1 2,1 0,0 1,1 1,1 0,0 1,2 0,0 1,1 1,1 0,-3 9,6 202,12 6,54-104,81 184,22-12,5-107,26-26,-155-137,2-2,1-1,2-2,1-2,1-1,1-3,1-2,46 14,198 0,49-33,-304-7,-1-3,1-1,-1-1,-1-2,0-1,-1-2,0-2,-1 0,20-16,-35 23,477-265,-107 108,-144 102,187-81,-379 120,-2-2,-1-2,-1-2,-2-2,-1-2,-2-2,7-11,-35 34,3-1,-1-1,-1-1,-1 0,0-1,-1 0,-1-1,-1-1,-1 0,4-10,0-25,-2 1,-3-2,-2 1,-3-1,-2 0,-2 0,-3 0,-7-38,4 59,-2-1,-1 1,-2 1,-1 0,-2 0,-1 2,-1-1,-2 2,-1 1,-2 0,-19-21,8 21,-1 2,-1 1,-2 2,-1 1,0 2,-2 1,0 3,-1 1,-1 1,-1 3,0 1,0 3,-1 1,0 2,-1 1,-9 3,-46-14,-570-91,32 25,500 64,-1 7,0 6,-114 10,217-2,0 2,1 1,-1 2,2 1,-1 2,1 1,1 1,0 2,1 2,1 0,0 2,1 1,-21 21,-75 135,112-154</inkml:trace>
+  <inkml:trace contextRef="#ctx0" brushRef="#br0" timeOffset="1221.04">2521 1637,'-201'39,"-502"70,555-81,3 7,0 6,3 6,-4 9,-123 67,-40 42,195-116,81-35</inkml:trace>
+  <inkml:trace contextRef="#ctx0" brushRef="#br0" timeOffset="2323.237">237 1870,'0'7,"2"22,-2 0,-1-1,-1 1,-1-1,-2 1,-1-1,-1 0,-1-1,-10 23,-55 73,58-103,1 0,1 1,1 0,1 1,0 1,2-1,1 2,1-1,1 1,-4 23,12-42,-1 0,1-1,0 1,0-1,0 1,1-1,0 0,-1 0,1 0,1 0,-1-1,1 1,-1-1,1 0,0 0,0 0,0-1,0 1,1-1,-1 0,1 0,0 0,-1-1,1 0,0 0,0 0,0 0,0-1,-1 0,1 0,0 0,0-1,0 1,0-1,0 0,-1-1,1 1,0-1,-1 0,3-1,31 0,108 1,-113 2</inkml:trace>
+</inkml:ink>
+</file>
+
+<file path=ppt/ink/ink6.xml><?xml version="1.0" encoding="utf-8"?>
+<inkml:ink xmlns:inkml="http://www.w3.org/2003/InkML">
+  <inkml:definitions>
+    <inkml:context xml:id="ctx0">
+      <inkml:inkSource xml:id="inkSrc0">
+        <inkml:traceFormat>
+          <inkml:channel name="X" type="integer" min="-2.14748E9" max="2.14748E9" units="cm"/>
+          <inkml:channel name="Y" type="integer" min="-2.14748E9" max="2.14748E9" units="cm"/>
+        </inkml:traceFormat>
+        <inkml:channelProperties>
+          <inkml:channelProperty channel="X" name="resolution" value="1000" units="1/cm"/>
+          <inkml:channelProperty channel="Y" name="resolution" value="1000" units="1/cm"/>
+        </inkml:channelProperties>
+      </inkml:inkSource>
+      <inkml:timestamp xml:id="ts0" timeString="2020-10-26T22:50:06.862"/>
+    </inkml:context>
+    <inkml:brush xml:id="br0">
+      <inkml:brushProperty name="width" value="0.05" units="cm"/>
+      <inkml:brushProperty name="height" value="0.05" units="cm"/>
+      <inkml:brushProperty name="color" value="#E71224"/>
+      <inkml:brushProperty name="ignorePressure" value="1"/>
+    </inkml:brush>
+  </inkml:definitions>
+  <inkml:trace contextRef="#ctx0" brushRef="#br0">2682 3095,'-299'-44,"-9"-16,203 22,29 4,-55-42,-33-102,6-50,115 140,3-1,5-1,3-3,4 0,-7-60,-40-247,43 94,29 292,-9-49,-2 1,-4 0,-2 1,-2 1,-28-51,32 78,-2 1,-1 0,-1 1,-2 2,-1 0,-1 2,-20-15,31 33,-1 1,0 0,-1 1,0 1,0 1,0 1,-1 0,0 1,-5 0,-41-9,-35-7,-1 5,-1 4,-48 3,83-14,67 20,0 0,1 0,-1 0,0 1,1-1,-1 0,1 1,-1-1,1 1,-1-1,1 1,0 0,-1 0,1 0,-1-1,1 2,0-1,-1 0,1 0,-1 0,1 1,-1-1,1 1,-1-1,1 1,-1 0,1-1,-1 1,0 0,1 0,-1 0,1 1,21 11,0 1,-2 1,1 1,-2 0,0 2,-2 1,0 0,0 1,1 4,24 71,-47-125,-2 15,-1 0,-1 0,0 0,-1 1,0 1,-1-1,-1 2,0-1,-1 1,0 1,-1 0,0 1,0 0,-12-5,16 10,-1 2,1-1,0 0,0-1,1 0,-1 0,1-1,0 0,0 0,1-1,0 0,0-1,1 1,0-1,0 0,1-1,0 1,0-1,1 0,0-1,6 6,1 0,-1 0,1 0,0 1,0-1,0 1,1-1,-1 1,1 0,0 0,-1 1,1-1,1 1,-1 0,0 0,0 0,1 1,-1 0,1-1,0 1,-1 1,1-1,0 1,-1 0,1 0,0 0,-1 1,1-1,0 1,-1 0,1 1,-1-1,3 2,11-2,18 0,-15 2,0-1,0-1,0-1,0 0,0-2,0-1,0 0,0-2,-1 0,1-1,-1-1,-1-1,0-1,0-1,13-8,44-48,-55 46</inkml:trace>
+</inkml:ink>
+</file>
+
+<file path=ppt/ink/ink7.xml><?xml version="1.0" encoding="utf-8"?>
+<inkml:ink xmlns:inkml="http://www.w3.org/2003/InkML">
+  <inkml:definitions>
+    <inkml:context xml:id="ctx0">
+      <inkml:inkSource xml:id="inkSrc0">
+        <inkml:traceFormat>
+          <inkml:channel name="X" type="integer" min="-2.14748E9" max="2.14748E9" units="cm"/>
+          <inkml:channel name="Y" type="integer" min="-2.14748E9" max="2.14748E9" units="cm"/>
+        </inkml:traceFormat>
+        <inkml:channelProperties>
+          <inkml:channelProperty channel="X" name="resolution" value="1000" units="1/cm"/>
+          <inkml:channelProperty channel="Y" name="resolution" value="1000" units="1/cm"/>
+        </inkml:channelProperties>
+      </inkml:inkSource>
+      <inkml:timestamp xml:id="ts0" timeString="2020-10-26T23:40:34.731"/>
+    </inkml:context>
+    <inkml:brush xml:id="br0">
+      <inkml:brushProperty name="width" value="0.1" units="cm"/>
+      <inkml:brushProperty name="height" value="0.1" units="cm"/>
+      <inkml:brushProperty name="color" value="#AE198D"/>
+      <inkml:brushProperty name="ignorePressure" value="1"/>
+      <inkml:brushProperty name="inkEffects" value="galaxy"/>
+      <inkml:brushProperty name="anchorX" value="0"/>
+      <inkml:brushProperty name="anchorY" value="0"/>
+      <inkml:brushProperty name="scaleFactor" value="0.5"/>
+    </inkml:brush>
+  </inkml:definitions>
+  <inkml:trace contextRef="#ctx0" brushRef="#br0">8 277,'0'0,"0"-4,0 8,0 13,4 14,0 16,9 19,0 6,2 8,-2 4,2 6,1 1,5 0,2 8,-3-2,0-1,-5-3,4-2,1-8,1-5,1 3,0-4,-1-3,1-4,0-2,-1-3,0 4,0 3,-4-5,-4-4,-1-7,-3-1,-2-4,1 9,-1-1,2 2,-1-3,3 1,-2-4,-2-4,3 1,-3-6,-1 2,-1-2,-3-1,0 0,-2-6,0 0,0-1,-1 1,1-4,0 1,0 1,0 1,0 6,-1-3,2 1,-1-5,0 4,0-4,0 2,0-5,0-3,0 1,0-3,0 2,0-1,0 6,0-2,0-1,0 1,0-3,0 6,4-6,0-3,0 2,0-3,-2-1,0-1,-1-2,-1-1,5-5,-1 0,0 0,4 0,3-3,3-3,3-4,3-3,0-2,2-1,0-1,0-1,-1 0,1 1,-1-1,1-3,-1-1,4 1,1 0,-1 1,0 2,3-4,3 0,0 1,3-4,6 1,-2 1,2 2,1 1,-4 1,4 2,-3-1,5 2,0-1,-3 0,4 0,-4 1,4-1,4 0,5 0,5 0,2 0,2 0,2 0,-4 0,-4 0,0 4,-4 1,-3-1,-2 0,-3-2,4 0,-1-1,3-1,4 0,7 0,4 0,-3 0,0 0,0 0,1-1,-1 10,-8 0,1-1,-1-1,3 3,1-3,2-1,-6-1,4-3,1 0,2-2,-7 0,0 0,-7 0,1-1,2 1,3 0,0 0,2 0,-6 0,2 0,1 0,-5 0,-1 0,-3 0,-1 0,0 0,-1 0,0-4,-3-5,-1-4,-3 1,-4-3,-3-1,-3 2,-2 3,0 4,-2-2,1 2,-5-2,0 1,-4-7,-3-2,-3-8,1-1,3 4,3 4,3 6,2 5,2 4,-3-3,0 2,1 1,0-4,1 1,-3-3,0 1,1-4,-4-1,-3-8,-3-6,-4-5,-1-1,-1-8,-1-5,-1-11,0-1,1-3,-1-1,1-1,0 3,0-4,0 0,-4-5,-9 0,0 4,1-2,-2 4,3 1,2 5,4-4,-3-5,2 3,-7-5,0 9,3 0,-3 1,3 4,3-2,2 0,-3-7,-6 3,0-2,2 0,3-4,-2-1,3 8,-2-8,1 1,3-1,-7-3,1 3,2 2,2 2,-1 0,2 4,-3 1,1 4,3 3,-3 3,1 7,2 2,2 1,1 0,-2 3,0-1,1 0,-4 6,2-1,0 4,2-4,1 3,1 1,1 1,-7 3,-1-4,1 1,-3 1,2 0,1 2,-5 0,1 1,1 1,-1 0,-1-4,1-1,-2 1,-1 0,3-7,-3 1,0-8,-2 5,-2 4,3-2,0 8,4 1,-2 3,0 4,-3 6,-1 3,-1-1,-1 2,-1 2,-5 1,1 2,-10 0,-7 1,-3 0,-11 0,-4 0,-8 0,-6 1,-5-1,-12 0,-2 0,-14 0,5 0,7 0,-1 0,9 0,3 0,5 0,1 0,0 0,-1 0,3 0,-2 0,-1 0,-1 0,2 0,-1 0,3 0,4 0,-2 0,3 0,-3 0,-2 0,-2 0,-3 0,2 0,4 0,7 0,4 0,10 0,6 0,9 0,2 0,5 4,0 0,3 1,2-2,-2 0,-3-2,-7 8,-3 1,1-2,5 4,4-3,4-1,7 1,3-1,-3-2,0-2,-1 2,-1 0,1 3,-4-1,0-1,-4-2,1 2,-4-1,3 3,-4-1,7 3,3-2,2-1,1 1,0-1,1-2,0 3,0 2,-5-1,0-1,-5-3,1-2,5-2</inkml:trace>
+</inkml:ink>
+</file>
+
+<file path=ppt/ink/ink8.xml><?xml version="1.0" encoding="utf-8"?>
+<inkml:ink xmlns:inkml="http://www.w3.org/2003/InkML">
+  <inkml:definitions>
+    <inkml:context xml:id="ctx0">
+      <inkml:inkSource xml:id="inkSrc0">
+        <inkml:traceFormat>
+          <inkml:channel name="X" type="integer" min="-2.14748E9" max="2.14748E9" units="cm"/>
+          <inkml:channel name="Y" type="integer" min="-2.14748E9" max="2.14748E9" units="cm"/>
+        </inkml:traceFormat>
+        <inkml:channelProperties>
+          <inkml:channelProperty channel="X" name="resolution" value="1000" units="1/cm"/>
+          <inkml:channelProperty channel="Y" name="resolution" value="1000" units="1/cm"/>
+        </inkml:channelProperties>
+      </inkml:inkSource>
+      <inkml:timestamp xml:id="ts0" timeString="2020-10-26T23:27:58.981"/>
+    </inkml:context>
+    <inkml:brush xml:id="br0">
+      <inkml:brushProperty name="width" value="0.05" units="cm"/>
+      <inkml:brushProperty name="height" value="0.05" units="cm"/>
+      <inkml:brushProperty name="color" value="#E71224"/>
+      <inkml:brushProperty name="ignorePressure" value="1"/>
+    </inkml:brush>
+    <inkml:brush xml:id="br1">
+      <inkml:brushProperty name="width" value="0.05" units="cm"/>
+      <inkml:brushProperty name="height" value="0.05" units="cm"/>
+      <inkml:brushProperty name="ignorePressure" value="1"/>
+    </inkml:brush>
+  </inkml:definitions>
+  <inkml:trace contextRef="#ctx0" brushRef="#br0">17626 6833,'-130'-2,"1"-5,0-6,1-6,1-5,1-6,1-5,-6-8,-865-333,147 115,8 55,709 173,-2 6,-2 6,1 6,-132 3,-4428 17,4030 40,187-5,-1152 70,1116-59,-159 7,-1115-58,631 94,327-97,791 4,0-3,0 0,1-3,-1-1,1-2,0-2,0-1,2-2,-1-1,2-2,-29-18,46 18,1-2,0 0,2-1,0-1,1 0,1-1,0-1,2 0,1 0,0-1,2 0,1-1,0 0,1-4,-2-26,2 0,2 0,3-1,2 1,6-36,-7 89,0-7,1 0,0-1,0 1,0 0,1 0,1 0,0 0,0 1,0-1,1 1,0-1,0 1,1 0,-1 1,2-1,-1 1,1 0,0 0,0 1,1 0,-1 0,1 0,5-2,259-112,35 113,-255 7,-34 1,0-1,0-1,0 0,0-1,0-1,-1-1,1 0,-1-1,1-1,-1 0,15-8,171-113,-195 123,-1 0,0 1,1 0,0 0,0 1,-1 0,1 0,0 0,0 1,0 0,0 0,0 1,0 0,-1 0,1 1,0 0,-1 0,1 0,2 2,11 3</inkml:trace>
+  <inkml:trace contextRef="#ctx0" brushRef="#br0" timeOffset="1231.35">940 4596,'15'1,"-1"0,0 1,0 1,1 0,-2 1,1 0,0 1,-1 1,0 0,0 1,-1 1,1 0,20 10,142 96,-146-93,-26-21,-1 0,0 1,0-1,1 1,-1-1,0 1,0 0,0 0,0 0,0 0,0 0,0 1,0-1,-1 0,1 1,0 0,-1-1,1 1,-1 0,0 0,1 0,-1 0,0 0,0 0,0 0,0 0,-1 0,1 0,-1 0,1 1,-1-1,0 0,0 0,0 1,0-1,0 0,0 1,-1-1,1 0,-1 0,1 0,-1 1,0-1,0 0,0 0,0 0,0 0,-1 0,1-1,0 1,-1 0,0-1,0 2,-134 113,120-96</inkml:trace>
+  <inkml:trace contextRef="#ctx0" brushRef="#br0" timeOffset="5424.683">17626 6809,'-24'19,"3"30,3 2,3 0,1 1,3 0,2 1,2 0,3 0,2 1,2 0,8 51,-10 170,-61 45,46-210,-5-1,-5-2,-13 29,7-26,-5-2,-4-1,-5-3,-5-1,-25 34,29-64,10-9,-3-2,-3-1,-2-3,-3-1,-3-3,-51 42,26-45,-3-4,-1-3,-2-4,-2-4,-1-3,-2-4,-1-4,-87 13,-111 7,-2-12,-1-13,-1-13,-77-16,46 6,-822 3,934 14,1 8,-152 39,117-18,-80 24,176-27,-79 22,-4-10,-103 6,-226-18,-470-30,619-13,-2032 3,2231 8,-202 33,156 0,253-40,-1-1,0 1,0-2,1 1,-1-1,0 1,1-2,-1 1,1-1,-1 1,1-2,0 1,0 0,0-1,0 0,0 0,0-1,1 1,0-1,0 0,0 0,0 0,0-1,1 1,0-1,-3-5,-55-148,50 121,-14-73,5 0,5-2,5 1,5-2,9-104,-4 127,0 63,-2-8,1 0,2 0,1 0,1 0,3 1,0-1,3 1,0 0,2 1,2 0,10-17,-5 18,2 0,1 2,1 1,1 0,2 2,1 1,1 1,1 1,7-3,-19 20,-1 2,1-1,0 2,0 0,1 1,-1 1,1 1,-1 0,1 1,-1 0,1 2,-1 0,3 1,54 1,235-3,-292 3,0-1,-1 2,1 0,-1 1,0 1,0 0,-1 1,0 0,0 2,-1-1,0 2,-1-1,2 3,90 62,-87-66,2-1,-1 0,1-2,0 0,0-1,1-1,0 0,-1-2,1 0,0-2,0 0,4-1,-2 0,-2 1</inkml:trace>
+  <inkml:trace contextRef="#ctx0" brushRef="#br0" timeOffset="6574.646">6347 8743,'36'50,"155"159,-190-209,0 0,0 1,0-1,0 0,0 1,0-1,0 1,-1 0,1-1,0 1,0-1,0 1,-1 0,1 0,0 0,-1-1,1 1,-1 0,1 0,-1 0,1 0,-1 0,0 0,1 0,-1 0,0 0,0 0,0 0,0 0,0 0,0 0,0 0,0 0,0 0,0 0,0 0,-1 0,1 0,0 0,-1 0,1 0,-1 0,1 0,-1 0,0 0,1 0,-1-1,0 1,1 0,-1-1,0 1,0 0,0-1,0 1,0-1,0 1,1-1,-1 1,0-1,0 0,0 0,0 1,-1-1,1 0,0 0,-83 0,65-1,-120 13,124-2</inkml:trace>
+  <inkml:trace contextRef="#ctx0" brushRef="#br0" timeOffset="8144.136">6603 9000,'-3'9,"0"0,0-1,-1 1,-1 0,0-1,0 0,0 0,-1-1,0 1,-1-1,1-1,-1 1,-1-1,1 0,-1-1,0 1,-2-1,-15 14,-170 154,175-160</inkml:trace>
+  <inkml:trace contextRef="#ctx0" brushRef="#br0" timeOffset="373694.401">1646 4940,'4'4,"1"1</inkml:trace>
+  <inkml:trace contextRef="#ctx0" brushRef="#br0" timeOffset="377423.028">1773 4602,'0'0</inkml:trace>
+  <inkml:trace contextRef="#ctx0" brushRef="#br0" timeOffset="449942.932">1731 9067,'25'-31,"3"1,0 1,1 2,2 0,1 3,1 0,14-6,11-10,794-540,379-407,-542 412,-638 535,23-17,-3-3,-2-4,40-50,-32-5,-62 88</inkml:trace>
+  <inkml:trace contextRef="#ctx0" brushRef="#br0" timeOffset="450933.917">2260 6083,'30'49,"3"-1,2-2,1-2,3-1,1-2,2-2,20 13,30 31,301 310,251 331,-546-607,101 123,11-8,49 29,-10-57,-232-191</inkml:trace>
+  <inkml:trace contextRef="#ctx0" brushRef="#br0" timeOffset="630774.847">20464 326,'-1257'0,"1197"2,0 3,1 3,0 2,0 3,2 2,-1 3,2 3,1 1,0 4,2 1,-42 30,33-19,7-9,2 2,1 3,2 2,1 2,2 2,2 3,2 1,-21 30,10 12,3 3,5 1,4 3,-10 38,12-20,5 1,4 2,1 28,19-65,3-1,4 1,3 0,4 0,10 60,0-71,4-1,2-1,3 0,2-1,4-2,2-1,23 34,-29-50,2 0,2-2,1-1,3-2,1-1,1-1,2-2,2-2,1-1,2-2,0-1,12 2,42 23,-1 1,2-5,2-4,10-1,163 59,-109-39,4-8,43 5,212 26,2-19,301 6,-104-32,203-28,-763-13,0-3,0-3,0-2,0-2,-1-3,0-3,-1-2,-1-3,-1-3,0-1,-2-3,29-21,-72 41,-1-2,-1 0,0 0,0 0,0-1,-1-1,-1 1,1-1,-2-1,1 1,-1-1,-1 0,0-1,-1 1,0-1,0 0,-1 0,-1 0,0 0,0-11,17-451,-23-135,-4 545,-3 0,-2 1,-3 0,-3 1,-3 1,-2 2,-2 0,-13-16,-10-32,-10-29,-6 3,-5 3,-6 3,-31-33,-131-152,142 200,-5 4,-4 5,-5 5,-4 4,-4 5,-72-38,34 47,-3 8,-92-27,198 79,-40-8,-2 5,-1 3,0 5,-1 4,0 5,-1 3,-79 10,49-6,116 1,1 0,-1 0,1 1,-1 1,1 0,0 0,0 1,1 1,0 0,-1 0,2 1,-1 0,1 1,0-1,1 2,0 0,0 0,1 0,0 1,1 0,0 0,0 1,1-1,1 1,-1 0,2 1,0-1,0 1,1-1,0 1,1 0,1 0,0 0,0 0,1-1,2 8,1 0</inkml:trace>
+  <inkml:trace contextRef="#ctx0" brushRef="#br0" timeOffset="650670.968">18749 1236,'-3'-2,"1"-1,-1 1,0 0,-1 0,1 0,0 0,-1 0,1 1,-1 0,1 0,-1 0,1 0,-1 0,0 1,1-1,-1 1,0 0,0 0,1 1,-1-1,-1 1,0-1,-248 1,47 79,167-63,1 1,1 2,0 1,2 2,1 2,0 1,2 1,-1 4,9-1,2 2,1 0,1 1,2 1,1 1,2 1,1 0,2 2,-11 21,-60 182,-42 214,111-400,-99 383,-21 540,57-550,59-322,-4 0,-6-1,-26 63,14-43,-132 503,111-298,58 154,3-449,2 32,-3-1,-3 1,-3-1,-3 0,-12 38,12-53,2 0,2 1,2-1,3 1,2 0,3 8,-1 64,-3 645,-1-759,-1 0,1 0,-2 0,1 0,-1-1,-1 1,0-1,0 0,0 0,-1 0,-1-1,0 1,0-1,0-1,-1 1,0-1,-1 0,1-1,-1 0,-1 0,-4 2,-125 40,108-39,-1-1,1-1,-1-1,-1-2,1-2,0 0,-9-2,22-1</inkml:trace>
+  <inkml:trace contextRef="#ctx0" brushRef="#br0" timeOffset="653214.865">16124 8348,'3'7,"0"1,-1-1,-1 0,1 1,-1 0,0-1,-1 1,0 0,0-1,0 1,-1-1,0 1,-1 0,0-1,0 0,-1 1,1-1,-2 0,1 0,-1-1,0 1,0-1,-1 0,1 0,-2 0,1 0,6-4,0 0,0 0,0 0,1 0,-1-1,1 1,-1 0,1-1,0 1,-1-1,1 1,0-1,0 0,0 0,0 0,0 0,0 0,0 0,1-1,-1 1,0-1,0 1,0-1,1 0,-1 0,0 0,1 0,-1 0,0 0,0-1,1 1,-1-1,0 0,0 1,0-1,0 0,0 0,1-1,7 1,140 20,-135-12</inkml:trace>
+  <inkml:trace contextRef="#ctx0" brushRef="#br1" timeOffset="916173.947">13986 5575,'-59'-27,"-30"11,0 5,-1 3,0 4,-19 5,87-1,-466 2,175 77,281-67,0 1,1 1,0 2,1 1,0 1,2 2,0 1,2 1,0 1,2 1,0 1,2 2,-12 17,4-3,1 1,2 1,3 2,1 0,2 2,-5 18,13-29,1 0,1 1,2 0,2 0,1 1,2 0,1 20,18 334,32-106,-40-230,-5-24,2 0,1-1,1 1,2-1,1-1,1 0,6 10,179 493,-49-248,93 28,-196-273,2-2,2-2,2-3,0-1,7-1,-13-9,0-2,2-2,0-3,1-1,36 6,99 31,211 44,145-71,91-16,-592-10,0-2,-1-1,1-2,-1-1,-1-2,0-2,0-1,-1-1,-1-2,0-1,18-14,130-139,-122 108,-3-3,-3-3,-3-1,13-29,-46 72,-2-1,-1 0,-1-1,-2 0,0-1,-2 0,-1 0,-2-1,-1 0,-1 0,-1 0,-2-14,-16-665,-28 364,21 243,-48-130,-201-234,220 396,-3 2,-3 3,-3 2,-2 3,-3 3,-3 3,-63-38,-162-64,259 138,-1 1,0 3,-1 1,-1 1,0 2,-1 2,-26-2,-267-39,-196 51,508-2</inkml:trace>
+  <inkml:trace contextRef="#ctx0" brushRef="#br1" timeOffset="918742.983">15510 6083,'119'-43,"62"-25,2 9,4 7,19 5,113 3,200 3,-246 22,373-11,169 31,-739 4,-1 4,0 2,0 4,-2 3,0 4,-1 2,-1 4,-2 3,0 2,37 27,80 49,34 20,6-10,110 37,-217-111,1-5,3-6,0-5,2-5,0-6,125 2,707-26,-862 4,0-4,-1-4,-1-4,0-4,-1-4,-1-5,86-36,-152 51,0 0,1 2,0 1,1 2,0 0,1 2,-1 0,1 2,13 1,27 5,-1 2,0 3,0 4,16 6,26 5,-80-17</inkml:trace>
+  <inkml:trace contextRef="#ctx0" brushRef="#br1" timeOffset="919670.016">24104 6146,'80'35,"231"95,-296-121,-1 1,0 0,0 1,-1 1,0 0,-1 1,0 0,-2 1,1 0,-1 1,-1 0,-1 1,0 0,-1 0,-1 0,-7-5,-1-1,0 0,-1 1,0-1,-1-1,0 1,0 0,-1-1,0 0,-1 0,0 0,0-1,-1 0,0 0,-1-1,1 1,-1-2,-1 1,1-1,-1 0,-3 0,9-3,-356 221,183-124,161-91</inkml:trace>
 </inkml:ink>
 </file>
 
@@ -424,7 +564,7 @@
           <a:p>
             <a:fld id="{5DD1E0B0-644B-4194-BDEC-F71572342FEC}" type="datetimeFigureOut">
               <a:rPr lang="en-US" smtClean="0"/>
-              <a:t>10/25/2020</a:t>
+              <a:t>10/26/2020</a:t>
             </a:fld>
             <a:endParaRPr lang="en-US"/>
           </a:p>
@@ -622,7 +762,7 @@
           <a:p>
             <a:fld id="{5DD1E0B0-644B-4194-BDEC-F71572342FEC}" type="datetimeFigureOut">
               <a:rPr lang="en-US" smtClean="0"/>
-              <a:t>10/25/2020</a:t>
+              <a:t>10/26/2020</a:t>
             </a:fld>
             <a:endParaRPr lang="en-US"/>
           </a:p>
@@ -830,7 +970,7 @@
           <a:p>
             <a:fld id="{5DD1E0B0-644B-4194-BDEC-F71572342FEC}" type="datetimeFigureOut">
               <a:rPr lang="en-US" smtClean="0"/>
-              <a:t>10/25/2020</a:t>
+              <a:t>10/26/2020</a:t>
             </a:fld>
             <a:endParaRPr lang="en-US"/>
           </a:p>
@@ -1028,7 +1168,7 @@
           <a:p>
             <a:fld id="{5DD1E0B0-644B-4194-BDEC-F71572342FEC}" type="datetimeFigureOut">
               <a:rPr lang="en-US" smtClean="0"/>
-              <a:t>10/25/2020</a:t>
+              <a:t>10/26/2020</a:t>
             </a:fld>
             <a:endParaRPr lang="en-US"/>
           </a:p>
@@ -1303,7 +1443,7 @@
           <a:p>
             <a:fld id="{5DD1E0B0-644B-4194-BDEC-F71572342FEC}" type="datetimeFigureOut">
               <a:rPr lang="en-US" smtClean="0"/>
-              <a:t>10/25/2020</a:t>
+              <a:t>10/26/2020</a:t>
             </a:fld>
             <a:endParaRPr lang="en-US"/>
           </a:p>
@@ -1568,7 +1708,7 @@
           <a:p>
             <a:fld id="{5DD1E0B0-644B-4194-BDEC-F71572342FEC}" type="datetimeFigureOut">
               <a:rPr lang="en-US" smtClean="0"/>
-              <a:t>10/25/2020</a:t>
+              <a:t>10/26/2020</a:t>
             </a:fld>
             <a:endParaRPr lang="en-US"/>
           </a:p>
@@ -1980,7 +2120,7 @@
           <a:p>
             <a:fld id="{5DD1E0B0-644B-4194-BDEC-F71572342FEC}" type="datetimeFigureOut">
               <a:rPr lang="en-US" smtClean="0"/>
-              <a:t>10/25/2020</a:t>
+              <a:t>10/26/2020</a:t>
             </a:fld>
             <a:endParaRPr lang="en-US"/>
           </a:p>
@@ -2121,7 +2261,7 @@
           <a:p>
             <a:fld id="{5DD1E0B0-644B-4194-BDEC-F71572342FEC}" type="datetimeFigureOut">
               <a:rPr lang="en-US" smtClean="0"/>
-              <a:t>10/25/2020</a:t>
+              <a:t>10/26/2020</a:t>
             </a:fld>
             <a:endParaRPr lang="en-US"/>
           </a:p>
@@ -2234,7 +2374,7 @@
           <a:p>
             <a:fld id="{5DD1E0B0-644B-4194-BDEC-F71572342FEC}" type="datetimeFigureOut">
               <a:rPr lang="en-US" smtClean="0"/>
-              <a:t>10/25/2020</a:t>
+              <a:t>10/26/2020</a:t>
             </a:fld>
             <a:endParaRPr lang="en-US"/>
           </a:p>
@@ -2545,7 +2685,7 @@
           <a:p>
             <a:fld id="{5DD1E0B0-644B-4194-BDEC-F71572342FEC}" type="datetimeFigureOut">
               <a:rPr lang="en-US" smtClean="0"/>
-              <a:t>10/25/2020</a:t>
+              <a:t>10/26/2020</a:t>
             </a:fld>
             <a:endParaRPr lang="en-US"/>
           </a:p>
@@ -2833,7 +2973,7 @@
           <a:p>
             <a:fld id="{5DD1E0B0-644B-4194-BDEC-F71572342FEC}" type="datetimeFigureOut">
               <a:rPr lang="en-US" smtClean="0"/>
-              <a:t>10/25/2020</a:t>
+              <a:t>10/26/2020</a:t>
             </a:fld>
             <a:endParaRPr lang="en-US"/>
           </a:p>
@@ -3074,7 +3214,7 @@
           <a:p>
             <a:fld id="{5DD1E0B0-644B-4194-BDEC-F71572342FEC}" type="datetimeFigureOut">
               <a:rPr lang="en-US" smtClean="0"/>
-              <a:t>10/25/2020</a:t>
+              <a:t>10/26/2020</a:t>
             </a:fld>
             <a:endParaRPr lang="en-US"/>
           </a:p>
@@ -4199,8 +4339,8 @@
           </a:p>
         </p:txBody>
       </p:sp>
-      <mc:AlternateContent xmlns:mc="http://schemas.openxmlformats.org/markup-compatibility/2006">
-        <mc:Choice xmlns:p14="http://schemas.microsoft.com/office/powerpoint/2010/main" xmlns:aink="http://schemas.microsoft.com/office/drawing/2016/ink" Requires="p14 aink">
+      <mc:AlternateContent xmlns:mc="http://schemas.openxmlformats.org/markup-compatibility/2006" xmlns:p14="http://schemas.microsoft.com/office/powerpoint/2010/main" xmlns:aink="http://schemas.microsoft.com/office/drawing/2016/ink">
+        <mc:Choice Requires="p14 aink">
           <p:contentPart p14:bwMode="auto" r:id="rId3">
             <p14:nvContentPartPr>
               <p14:cNvPr id="12" name="Ink 11">
@@ -4219,7 +4359,7 @@
             </p14:xfrm>
           </p:contentPart>
         </mc:Choice>
-        <mc:Fallback>
+        <mc:Fallback xmlns="">
           <p:pic>
             <p:nvPicPr>
               <p:cNvPr id="12" name="Ink 11">
@@ -4250,8 +4390,8 @@
           </p:pic>
         </mc:Fallback>
       </mc:AlternateContent>
-      <mc:AlternateContent xmlns:mc="http://schemas.openxmlformats.org/markup-compatibility/2006">
-        <mc:Choice xmlns:p14="http://schemas.microsoft.com/office/powerpoint/2010/main" xmlns:aink="http://schemas.microsoft.com/office/drawing/2016/ink" Requires="p14 aink">
+      <mc:AlternateContent xmlns:mc="http://schemas.openxmlformats.org/markup-compatibility/2006" xmlns:p14="http://schemas.microsoft.com/office/powerpoint/2010/main" xmlns:aink="http://schemas.microsoft.com/office/drawing/2016/ink">
+        <mc:Choice Requires="p14 aink">
           <p:contentPart p14:bwMode="auto" r:id="rId5">
             <p14:nvContentPartPr>
               <p14:cNvPr id="21" name="Ink 20">
@@ -4270,7 +4410,7 @@
             </p14:xfrm>
           </p:contentPart>
         </mc:Choice>
-        <mc:Fallback>
+        <mc:Fallback xmlns="">
           <p:pic>
             <p:nvPicPr>
               <p:cNvPr id="21" name="Ink 20">
@@ -4301,59 +4441,8 @@
           </p:pic>
         </mc:Fallback>
       </mc:AlternateContent>
-      <p:sp>
-        <p:nvSpPr>
-          <p:cNvPr id="49" name="Oval 48">
-            <a:extLst>
-              <a:ext uri="{FF2B5EF4-FFF2-40B4-BE49-F238E27FC236}">
-                <a16:creationId xmlns:a16="http://schemas.microsoft.com/office/drawing/2014/main" id="{B057E1E5-FE59-4164-9D3A-EAD23AC156C6}"/>
-              </a:ext>
-            </a:extLst>
-          </p:cNvPr>
-          <p:cNvSpPr/>
-          <p:nvPr/>
-        </p:nvSpPr>
-        <p:spPr>
-          <a:xfrm>
-            <a:off x="413494" y="1278023"/>
-            <a:ext cx="1958940" cy="1896300"/>
-          </a:xfrm>
-          <a:prstGeom prst="ellipse">
-            <a:avLst/>
-          </a:prstGeom>
-          <a:solidFill>
-            <a:schemeClr val="accent1">
-              <a:alpha val="43000"/>
-            </a:schemeClr>
-          </a:solidFill>
-        </p:spPr>
-        <p:style>
-          <a:lnRef idx="2">
-            <a:schemeClr val="accent1">
-              <a:shade val="50000"/>
-            </a:schemeClr>
-          </a:lnRef>
-          <a:fillRef idx="1">
-            <a:schemeClr val="accent1"/>
-          </a:fillRef>
-          <a:effectRef idx="0">
-            <a:schemeClr val="accent1"/>
-          </a:effectRef>
-          <a:fontRef idx="minor">
-            <a:schemeClr val="lt1"/>
-          </a:fontRef>
-        </p:style>
-        <p:txBody>
-          <a:bodyPr rtlCol="0" anchor="ctr"/>
-          <a:lstStyle/>
-          <a:p>
-            <a:pPr algn="ctr"/>
-            <a:endParaRPr lang="en-US"/>
-          </a:p>
-        </p:txBody>
-      </p:sp>
-      <mc:AlternateContent xmlns:mc="http://schemas.openxmlformats.org/markup-compatibility/2006">
-        <mc:Choice xmlns:p14="http://schemas.microsoft.com/office/powerpoint/2010/main" Requires="p14">
+      <mc:AlternateContent xmlns:mc="http://schemas.openxmlformats.org/markup-compatibility/2006" xmlns:p14="http://schemas.microsoft.com/office/powerpoint/2010/main">
+        <mc:Choice Requires="p14">
           <p:contentPart p14:bwMode="auto" r:id="rId7">
             <p14:nvContentPartPr>
               <p14:cNvPr id="52" name="Ink 51">
@@ -4372,7 +4461,7 @@
             </p14:xfrm>
           </p:contentPart>
         </mc:Choice>
-        <mc:Fallback>
+        <mc:Fallback xmlns="">
           <p:pic>
             <p:nvPicPr>
               <p:cNvPr id="52" name="Ink 51">
@@ -4403,8 +4492,8 @@
           </p:pic>
         </mc:Fallback>
       </mc:AlternateContent>
-      <mc:AlternateContent xmlns:mc="http://schemas.openxmlformats.org/markup-compatibility/2006">
-        <mc:Choice xmlns:p14="http://schemas.microsoft.com/office/powerpoint/2010/main" Requires="p14">
+      <mc:AlternateContent xmlns:mc="http://schemas.openxmlformats.org/markup-compatibility/2006" xmlns:p14="http://schemas.microsoft.com/office/powerpoint/2010/main">
+        <mc:Choice Requires="p14">
           <p:contentPart p14:bwMode="auto" r:id="rId9">
             <p14:nvContentPartPr>
               <p14:cNvPr id="54" name="Ink 53">
@@ -4423,7 +4512,7 @@
             </p14:xfrm>
           </p:contentPart>
         </mc:Choice>
-        <mc:Fallback>
+        <mc:Fallback xmlns="">
           <p:pic>
             <p:nvPicPr>
               <p:cNvPr id="54" name="Ink 53">
@@ -4458,6 +4547,1626 @@
     <p:extLst>
       <p:ext uri="{BB962C8B-B14F-4D97-AF65-F5344CB8AC3E}">
         <p14:creationId xmlns:p14="http://schemas.microsoft.com/office/powerpoint/2010/main" val="3481774486"/>
+      </p:ext>
+    </p:extLst>
+  </p:cSld>
+  <p:clrMapOvr>
+    <a:masterClrMapping/>
+  </p:clrMapOvr>
+</p:sld>
+</file>
+
+<file path=ppt/slides/slide3.xml><?xml version="1.0" encoding="utf-8"?>
+<p:sld xmlns:a="http://schemas.openxmlformats.org/drawingml/2006/main" xmlns:r="http://schemas.openxmlformats.org/officeDocument/2006/relationships" xmlns:p="http://schemas.openxmlformats.org/presentationml/2006/main">
+  <p:cSld>
+    <p:spTree>
+      <p:nvGrpSpPr>
+        <p:cNvPr id="1" name=""/>
+        <p:cNvGrpSpPr/>
+        <p:nvPr/>
+      </p:nvGrpSpPr>
+      <p:grpSpPr>
+        <a:xfrm>
+          <a:off x="0" y="0"/>
+          <a:ext cx="0" cy="0"/>
+          <a:chOff x="0" y="0"/>
+          <a:chExt cx="0" cy="0"/>
+        </a:xfrm>
+      </p:grpSpPr>
+      <p:pic>
+        <p:nvPicPr>
+          <p:cNvPr id="5" name="Picture 4">
+            <a:extLst>
+              <a:ext uri="{FF2B5EF4-FFF2-40B4-BE49-F238E27FC236}">
+                <a16:creationId xmlns:a16="http://schemas.microsoft.com/office/drawing/2014/main" id="{66777230-0206-4B59-9585-DA11005C8FD1}"/>
+              </a:ext>
+            </a:extLst>
+          </p:cNvPr>
+          <p:cNvPicPr>
+            <a:picLocks noChangeAspect="1"/>
+          </p:cNvPicPr>
+          <p:nvPr/>
+        </p:nvPicPr>
+        <p:blipFill>
+          <a:blip r:embed="rId2">
+            <a:extLst>
+              <a:ext uri="{28A0092B-C50C-407E-A947-70E740481C1C}">
+                <a14:useLocalDpi xmlns:a14="http://schemas.microsoft.com/office/drawing/2010/main" val="0"/>
+              </a:ext>
+            </a:extLst>
+          </a:blip>
+          <a:stretch>
+            <a:fillRect/>
+          </a:stretch>
+        </p:blipFill>
+        <p:spPr>
+          <a:xfrm>
+            <a:off x="1614487" y="366712"/>
+            <a:ext cx="8963025" cy="6124575"/>
+          </a:xfrm>
+          <a:prstGeom prst="rect">
+            <a:avLst/>
+          </a:prstGeom>
+        </p:spPr>
+      </p:pic>
+      <p:sp>
+        <p:nvSpPr>
+          <p:cNvPr id="6" name="Oval 5">
+            <a:extLst>
+              <a:ext uri="{FF2B5EF4-FFF2-40B4-BE49-F238E27FC236}">
+                <a16:creationId xmlns:a16="http://schemas.microsoft.com/office/drawing/2014/main" id="{0846B748-AF03-4679-B887-7F33B24D1262}"/>
+              </a:ext>
+            </a:extLst>
+          </p:cNvPr>
+          <p:cNvSpPr/>
+          <p:nvPr/>
+        </p:nvSpPr>
+        <p:spPr>
+          <a:xfrm>
+            <a:off x="201336" y="3048786"/>
+            <a:ext cx="1341255" cy="1249960"/>
+          </a:xfrm>
+          <a:prstGeom prst="ellipse">
+            <a:avLst/>
+          </a:prstGeom>
+          <a:solidFill>
+            <a:schemeClr val="accent1">
+              <a:alpha val="43000"/>
+            </a:schemeClr>
+          </a:solidFill>
+        </p:spPr>
+        <p:style>
+          <a:lnRef idx="2">
+            <a:schemeClr val="accent1">
+              <a:shade val="50000"/>
+            </a:schemeClr>
+          </a:lnRef>
+          <a:fillRef idx="1">
+            <a:schemeClr val="accent1"/>
+          </a:fillRef>
+          <a:effectRef idx="0">
+            <a:schemeClr val="accent1"/>
+          </a:effectRef>
+          <a:fontRef idx="minor">
+            <a:schemeClr val="lt1"/>
+          </a:fontRef>
+        </p:style>
+        <p:txBody>
+          <a:bodyPr rtlCol="0" anchor="ctr"/>
+          <a:lstStyle/>
+          <a:p>
+            <a:pPr algn="ctr"/>
+            <a:endParaRPr lang="en-US"/>
+          </a:p>
+        </p:txBody>
+      </p:sp>
+      <p:sp>
+        <p:nvSpPr>
+          <p:cNvPr id="7" name="TextBox 6">
+            <a:extLst>
+              <a:ext uri="{FF2B5EF4-FFF2-40B4-BE49-F238E27FC236}">
+                <a16:creationId xmlns:a16="http://schemas.microsoft.com/office/drawing/2014/main" id="{63616A3B-E5FF-47F2-8FFF-698182F82995}"/>
+              </a:ext>
+            </a:extLst>
+          </p:cNvPr>
+          <p:cNvSpPr txBox="1"/>
+          <p:nvPr/>
+        </p:nvSpPr>
+        <p:spPr>
+          <a:xfrm>
+            <a:off x="7528129" y="4494868"/>
+            <a:ext cx="3206750" cy="1200329"/>
+          </a:xfrm>
+          <a:prstGeom prst="rect">
+            <a:avLst/>
+          </a:prstGeom>
+          <a:noFill/>
+        </p:spPr>
+        <p:txBody>
+          <a:bodyPr wrap="square" rtlCol="0">
+            <a:spAutoFit/>
+          </a:bodyPr>
+          <a:lstStyle/>
+          <a:p>
+            <a:r>
+              <a:rPr lang="en-US" dirty="0"/>
+              <a:t>My Course…CID</a:t>
+            </a:r>
+          </a:p>
+          <a:p>
+            <a:r>
+              <a:rPr lang="en-US" dirty="0" err="1"/>
+              <a:t>Has_Pre</a:t>
+            </a:r>
+            <a:r>
+              <a:rPr lang="en-US" dirty="0"/>
+              <a:t>-Req…CID</a:t>
+            </a:r>
+          </a:p>
+          <a:p>
+            <a:r>
+              <a:rPr lang="en-US" dirty="0" err="1"/>
+              <a:t>Has_CO</a:t>
+            </a:r>
+            <a:r>
+              <a:rPr lang="en-US" dirty="0"/>
+              <a:t>-Req…CID</a:t>
+            </a:r>
+          </a:p>
+          <a:p>
+            <a:r>
+              <a:rPr lang="en-US" dirty="0" err="1"/>
+              <a:t>Is_Pre</a:t>
+            </a:r>
+            <a:r>
+              <a:rPr lang="en-US" dirty="0"/>
+              <a:t>-Req…CID</a:t>
+            </a:r>
+          </a:p>
+        </p:txBody>
+      </p:sp>
+      <p:sp>
+        <p:nvSpPr>
+          <p:cNvPr id="8" name="TextBox 7">
+            <a:extLst>
+              <a:ext uri="{FF2B5EF4-FFF2-40B4-BE49-F238E27FC236}">
+                <a16:creationId xmlns:a16="http://schemas.microsoft.com/office/drawing/2014/main" id="{30EFF831-2C10-4D43-9BC8-58A86596514E}"/>
+              </a:ext>
+            </a:extLst>
+          </p:cNvPr>
+          <p:cNvSpPr txBox="1"/>
+          <p:nvPr/>
+        </p:nvSpPr>
+        <p:spPr>
+          <a:xfrm>
+            <a:off x="9495568" y="4448701"/>
+            <a:ext cx="2163888" cy="646331"/>
+          </a:xfrm>
+          <a:prstGeom prst="rect">
+            <a:avLst/>
+          </a:prstGeom>
+          <a:noFill/>
+        </p:spPr>
+        <p:txBody>
+          <a:bodyPr wrap="square" rtlCol="0">
+            <a:spAutoFit/>
+          </a:bodyPr>
+          <a:lstStyle/>
+          <a:p>
+            <a:r>
+              <a:rPr lang="en-US" dirty="0"/>
+              <a:t>1236,1011,0,1356</a:t>
+            </a:r>
+          </a:p>
+          <a:p>
+            <a:r>
+              <a:rPr lang="en-US" dirty="0"/>
+              <a:t>1236,1021,0,0</a:t>
+            </a:r>
+          </a:p>
+        </p:txBody>
+      </p:sp>
+      <p:sp>
+        <p:nvSpPr>
+          <p:cNvPr id="9" name="TextBox 8">
+            <a:extLst>
+              <a:ext uri="{FF2B5EF4-FFF2-40B4-BE49-F238E27FC236}">
+                <a16:creationId xmlns:a16="http://schemas.microsoft.com/office/drawing/2014/main" id="{B0FAE056-0A19-4EFD-B90F-6FBFC517A3DC}"/>
+              </a:ext>
+            </a:extLst>
+          </p:cNvPr>
+          <p:cNvSpPr txBox="1"/>
+          <p:nvPr/>
+        </p:nvSpPr>
+        <p:spPr>
+          <a:xfrm>
+            <a:off x="3931640" y="5561901"/>
+            <a:ext cx="2164359" cy="646331"/>
+          </a:xfrm>
+          <a:prstGeom prst="rect">
+            <a:avLst/>
+          </a:prstGeom>
+          <a:noFill/>
+        </p:spPr>
+        <p:txBody>
+          <a:bodyPr wrap="square" rtlCol="0">
+            <a:spAutoFit/>
+          </a:bodyPr>
+          <a:lstStyle/>
+          <a:p>
+            <a:r>
+              <a:rPr lang="en-US" dirty="0"/>
+              <a:t>1236,1632,3</a:t>
+            </a:r>
+          </a:p>
+          <a:p>
+            <a:r>
+              <a:rPr lang="en-US" dirty="0"/>
+              <a:t>2341,1236,1</a:t>
+            </a:r>
+          </a:p>
+        </p:txBody>
+      </p:sp>
+      <mc:AlternateContent xmlns:mc="http://schemas.openxmlformats.org/markup-compatibility/2006" xmlns:p14="http://schemas.microsoft.com/office/powerpoint/2010/main">
+        <mc:Choice Requires="p14">
+          <p:contentPart p14:bwMode="auto" r:id="rId3">
+            <p14:nvContentPartPr>
+              <p14:cNvPr id="13" name="Ink 12">
+                <a:extLst>
+                  <a:ext uri="{FF2B5EF4-FFF2-40B4-BE49-F238E27FC236}">
+                    <a16:creationId xmlns:a16="http://schemas.microsoft.com/office/drawing/2014/main" id="{D89150A7-5CEF-4217-B2C4-736520D7DFA7}"/>
+                  </a:ext>
+                </a:extLst>
+              </p14:cNvPr>
+              <p14:cNvContentPartPr/>
+              <p14:nvPr/>
+            </p14:nvContentPartPr>
+            <p14:xfrm>
+              <a:off x="2934674" y="4804649"/>
+              <a:ext cx="2412720" cy="983880"/>
+            </p14:xfrm>
+          </p:contentPart>
+        </mc:Choice>
+        <mc:Fallback xmlns="">
+          <p:pic>
+            <p:nvPicPr>
+              <p:cNvPr id="13" name="Ink 12">
+                <a:extLst>
+                  <a:ext uri="{FF2B5EF4-FFF2-40B4-BE49-F238E27FC236}">
+                    <a16:creationId xmlns:a16="http://schemas.microsoft.com/office/drawing/2014/main" id="{D89150A7-5CEF-4217-B2C4-736520D7DFA7}"/>
+                  </a:ext>
+                </a:extLst>
+              </p:cNvPr>
+              <p:cNvPicPr/>
+              <p:nvPr/>
+            </p:nvPicPr>
+            <p:blipFill>
+              <a:blip r:embed="rId4"/>
+              <a:stretch>
+                <a:fillRect/>
+              </a:stretch>
+            </p:blipFill>
+            <p:spPr>
+              <a:xfrm>
+                <a:off x="2925674" y="4796009"/>
+                <a:ext cx="2430360" cy="1001520"/>
+              </a:xfrm>
+              <a:prstGeom prst="rect">
+                <a:avLst/>
+              </a:prstGeom>
+            </p:spPr>
+          </p:pic>
+        </mc:Fallback>
+      </mc:AlternateContent>
+      <p:sp>
+        <p:nvSpPr>
+          <p:cNvPr id="14" name="TextBox 13">
+            <a:extLst>
+              <a:ext uri="{FF2B5EF4-FFF2-40B4-BE49-F238E27FC236}">
+                <a16:creationId xmlns:a16="http://schemas.microsoft.com/office/drawing/2014/main" id="{2C1DD595-E092-4374-A90D-FC6D244F53C1}"/>
+              </a:ext>
+            </a:extLst>
+          </p:cNvPr>
+          <p:cNvSpPr txBox="1"/>
+          <p:nvPr/>
+        </p:nvSpPr>
+        <p:spPr>
+          <a:xfrm>
+            <a:off x="2191160" y="5689944"/>
+            <a:ext cx="1317071" cy="369332"/>
+          </a:xfrm>
+          <a:prstGeom prst="rect">
+            <a:avLst/>
+          </a:prstGeom>
+          <a:noFill/>
+        </p:spPr>
+        <p:txBody>
+          <a:bodyPr wrap="square" rtlCol="0">
+            <a:spAutoFit/>
+          </a:bodyPr>
+          <a:lstStyle/>
+          <a:p>
+            <a:r>
+              <a:rPr lang="en-US" dirty="0"/>
+              <a:t>All Primary</a:t>
+            </a:r>
+          </a:p>
+        </p:txBody>
+      </p:sp>
+      <mc:AlternateContent xmlns:mc="http://schemas.openxmlformats.org/markup-compatibility/2006" xmlns:p14="http://schemas.microsoft.com/office/powerpoint/2010/main">
+        <mc:Choice Requires="p14">
+          <p:contentPart p14:bwMode="auto" r:id="rId5">
+            <p14:nvContentPartPr>
+              <p14:cNvPr id="16" name="Ink 15">
+                <a:extLst>
+                  <a:ext uri="{FF2B5EF4-FFF2-40B4-BE49-F238E27FC236}">
+                    <a16:creationId xmlns:a16="http://schemas.microsoft.com/office/drawing/2014/main" id="{526F2646-0F9F-4713-9794-807A572CBFC4}"/>
+                  </a:ext>
+                </a:extLst>
+              </p14:cNvPr>
+              <p14:cNvContentPartPr/>
+              <p14:nvPr/>
+            </p14:nvContentPartPr>
+            <p14:xfrm>
+              <a:off x="963750" y="1150649"/>
+              <a:ext cx="965520" cy="1114200"/>
+            </p14:xfrm>
+          </p:contentPart>
+        </mc:Choice>
+        <mc:Fallback xmlns="">
+          <p:pic>
+            <p:nvPicPr>
+              <p:cNvPr id="16" name="Ink 15">
+                <a:extLst>
+                  <a:ext uri="{FF2B5EF4-FFF2-40B4-BE49-F238E27FC236}">
+                    <a16:creationId xmlns:a16="http://schemas.microsoft.com/office/drawing/2014/main" id="{526F2646-0F9F-4713-9794-807A572CBFC4}"/>
+                  </a:ext>
+                </a:extLst>
+              </p:cNvPr>
+              <p:cNvPicPr/>
+              <p:nvPr/>
+            </p:nvPicPr>
+            <p:blipFill>
+              <a:blip r:embed="rId6"/>
+              <a:stretch>
+                <a:fillRect/>
+              </a:stretch>
+            </p:blipFill>
+            <p:spPr>
+              <a:xfrm>
+                <a:off x="955110" y="1142009"/>
+                <a:ext cx="983160" cy="1131840"/>
+              </a:xfrm>
+              <a:prstGeom prst="rect">
+                <a:avLst/>
+              </a:prstGeom>
+            </p:spPr>
+          </p:pic>
+        </mc:Fallback>
+      </mc:AlternateContent>
+      <p:sp>
+        <p:nvSpPr>
+          <p:cNvPr id="17" name="TextBox 16">
+            <a:extLst>
+              <a:ext uri="{FF2B5EF4-FFF2-40B4-BE49-F238E27FC236}">
+                <a16:creationId xmlns:a16="http://schemas.microsoft.com/office/drawing/2014/main" id="{8206DB46-B4D8-461E-A076-478AC033B34D}"/>
+              </a:ext>
+            </a:extLst>
+          </p:cNvPr>
+          <p:cNvSpPr txBox="1"/>
+          <p:nvPr/>
+        </p:nvSpPr>
+        <p:spPr>
+          <a:xfrm>
+            <a:off x="-52137" y="1001790"/>
+            <a:ext cx="1341255" cy="369332"/>
+          </a:xfrm>
+          <a:prstGeom prst="rect">
+            <a:avLst/>
+          </a:prstGeom>
+          <a:noFill/>
+        </p:spPr>
+        <p:txBody>
+          <a:bodyPr wrap="square" rtlCol="0">
+            <a:spAutoFit/>
+          </a:bodyPr>
+          <a:lstStyle/>
+          <a:p>
+            <a:r>
+              <a:rPr lang="en-US" dirty="0" err="1"/>
+              <a:t>is_fte</a:t>
+            </a:r>
+            <a:r>
+              <a:rPr lang="en-US" dirty="0"/>
+              <a:t>(int)</a:t>
+            </a:r>
+          </a:p>
+        </p:txBody>
+      </p:sp>
+      <p:sp>
+        <p:nvSpPr>
+          <p:cNvPr id="36" name="TextBox 35">
+            <a:extLst>
+              <a:ext uri="{FF2B5EF4-FFF2-40B4-BE49-F238E27FC236}">
+                <a16:creationId xmlns:a16="http://schemas.microsoft.com/office/drawing/2014/main" id="{AF069BF1-4526-43C5-AF07-680919CF464F}"/>
+              </a:ext>
+            </a:extLst>
+          </p:cNvPr>
+          <p:cNvSpPr txBox="1"/>
+          <p:nvPr/>
+        </p:nvSpPr>
+        <p:spPr>
+          <a:xfrm>
+            <a:off x="6309360" y="3411974"/>
+            <a:ext cx="792480" cy="369332"/>
+          </a:xfrm>
+          <a:prstGeom prst="rect">
+            <a:avLst/>
+          </a:prstGeom>
+          <a:noFill/>
+        </p:spPr>
+        <p:txBody>
+          <a:bodyPr wrap="square" rtlCol="0">
+            <a:spAutoFit/>
+          </a:bodyPr>
+          <a:lstStyle/>
+          <a:p>
+            <a:r>
+              <a:rPr lang="en-US" dirty="0"/>
+              <a:t>WDID</a:t>
+            </a:r>
+          </a:p>
+        </p:txBody>
+      </p:sp>
+      <mc:AlternateContent xmlns:mc="http://schemas.openxmlformats.org/markup-compatibility/2006">
+        <mc:Choice xmlns:p14="http://schemas.microsoft.com/office/powerpoint/2010/main" xmlns:aink="http://schemas.microsoft.com/office/drawing/2016/ink" Requires="p14 aink">
+          <p:contentPart p14:bwMode="auto" r:id="rId7">
+            <p14:nvContentPartPr>
+              <p14:cNvPr id="37" name="Ink 36">
+                <a:extLst>
+                  <a:ext uri="{FF2B5EF4-FFF2-40B4-BE49-F238E27FC236}">
+                    <a16:creationId xmlns:a16="http://schemas.microsoft.com/office/drawing/2014/main" id="{2691B3C8-8A4A-45E8-8A0B-37C0BD0023E6}"/>
+                  </a:ext>
+                </a:extLst>
+              </p14:cNvPr>
+              <p14:cNvContentPartPr/>
+              <p14:nvPr/>
+            </p14:nvContentPartPr>
+            <p14:xfrm>
+              <a:off x="5529180" y="2323380"/>
+              <a:ext cx="1802520" cy="1601640"/>
+            </p14:xfrm>
+          </p:contentPart>
+        </mc:Choice>
+        <mc:Fallback>
+          <p:pic>
+            <p:nvPicPr>
+              <p:cNvPr id="37" name="Ink 36">
+                <a:extLst>
+                  <a:ext uri="{FF2B5EF4-FFF2-40B4-BE49-F238E27FC236}">
+                    <a16:creationId xmlns:a16="http://schemas.microsoft.com/office/drawing/2014/main" id="{2691B3C8-8A4A-45E8-8A0B-37C0BD0023E6}"/>
+                  </a:ext>
+                </a:extLst>
+              </p:cNvPr>
+              <p:cNvPicPr/>
+              <p:nvPr/>
+            </p:nvPicPr>
+            <p:blipFill>
+              <a:blip r:embed="rId8"/>
+              <a:stretch>
+                <a:fillRect/>
+              </a:stretch>
+            </p:blipFill>
+            <p:spPr>
+              <a:xfrm>
+                <a:off x="5511180" y="2305740"/>
+                <a:ext cx="1838160" cy="1637280"/>
+              </a:xfrm>
+              <a:prstGeom prst="rect">
+                <a:avLst/>
+              </a:prstGeom>
+            </p:spPr>
+          </p:pic>
+        </mc:Fallback>
+      </mc:AlternateContent>
+      <mc:AlternateContent xmlns:mc="http://schemas.openxmlformats.org/markup-compatibility/2006">
+        <mc:Choice xmlns:p14="http://schemas.microsoft.com/office/powerpoint/2010/main" Requires="p14">
+          <p:contentPart p14:bwMode="auto" r:id="rId9">
+            <p14:nvContentPartPr>
+              <p14:cNvPr id="43" name="Ink 42">
+                <a:extLst>
+                  <a:ext uri="{FF2B5EF4-FFF2-40B4-BE49-F238E27FC236}">
+                    <a16:creationId xmlns:a16="http://schemas.microsoft.com/office/drawing/2014/main" id="{B2D0896F-3250-4B41-889B-E729660908B9}"/>
+                  </a:ext>
+                </a:extLst>
+              </p14:cNvPr>
+              <p14:cNvContentPartPr/>
+              <p14:nvPr/>
+            </p14:nvContentPartPr>
+            <p14:xfrm>
+              <a:off x="1297110" y="568380"/>
+              <a:ext cx="8881830" cy="3852149"/>
+            </p14:xfrm>
+          </p:contentPart>
+        </mc:Choice>
+        <mc:Fallback>
+          <p:pic>
+            <p:nvPicPr>
+              <p:cNvPr id="43" name="Ink 42">
+                <a:extLst>
+                  <a:ext uri="{FF2B5EF4-FFF2-40B4-BE49-F238E27FC236}">
+                    <a16:creationId xmlns:a16="http://schemas.microsoft.com/office/drawing/2014/main" id="{B2D0896F-3250-4B41-889B-E729660908B9}"/>
+                  </a:ext>
+                </a:extLst>
+              </p:cNvPr>
+              <p:cNvPicPr/>
+              <p:nvPr/>
+            </p:nvPicPr>
+            <p:blipFill>
+              <a:blip r:embed="rId10"/>
+              <a:stretch>
+                <a:fillRect/>
+              </a:stretch>
+            </p:blipFill>
+            <p:spPr>
+              <a:xfrm>
+                <a:off x="1288470" y="559380"/>
+                <a:ext cx="8899471" cy="3869790"/>
+              </a:xfrm>
+              <a:prstGeom prst="rect">
+                <a:avLst/>
+              </a:prstGeom>
+            </p:spPr>
+          </p:pic>
+        </mc:Fallback>
+      </mc:AlternateContent>
+      <p:sp>
+        <p:nvSpPr>
+          <p:cNvPr id="44" name="TextBox 43">
+            <a:extLst>
+              <a:ext uri="{FF2B5EF4-FFF2-40B4-BE49-F238E27FC236}">
+                <a16:creationId xmlns:a16="http://schemas.microsoft.com/office/drawing/2014/main" id="{B11C6A0C-8642-49E4-BEB5-09C8B7912F05}"/>
+              </a:ext>
+            </a:extLst>
+          </p:cNvPr>
+          <p:cNvSpPr txBox="1"/>
+          <p:nvPr/>
+        </p:nvSpPr>
+        <p:spPr>
+          <a:xfrm>
+            <a:off x="10178940" y="2621280"/>
+            <a:ext cx="1811724" cy="1754326"/>
+          </a:xfrm>
+          <a:prstGeom prst="rect">
+            <a:avLst/>
+          </a:prstGeom>
+          <a:noFill/>
+        </p:spPr>
+        <p:txBody>
+          <a:bodyPr wrap="square" rtlCol="0">
+            <a:spAutoFit/>
+          </a:bodyPr>
+          <a:lstStyle/>
+          <a:p>
+            <a:r>
+              <a:rPr lang="en-US" dirty="0">
+                <a:solidFill>
+                  <a:schemeClr val="accent2">
+                    <a:lumMod val="75000"/>
+                  </a:schemeClr>
+                </a:solidFill>
+              </a:rPr>
+              <a:t>Choose Semester</a:t>
+            </a:r>
+          </a:p>
+          <a:p>
+            <a:r>
+              <a:rPr lang="en-US" dirty="0">
+                <a:solidFill>
+                  <a:schemeClr val="accent2">
+                    <a:lumMod val="75000"/>
+                  </a:schemeClr>
+                </a:solidFill>
+              </a:rPr>
+              <a:t>Choose Course</a:t>
+            </a:r>
+          </a:p>
+          <a:p>
+            <a:r>
+              <a:rPr lang="en-US" dirty="0">
+                <a:solidFill>
+                  <a:schemeClr val="accent2">
+                    <a:lumMod val="75000"/>
+                  </a:schemeClr>
+                </a:solidFill>
+              </a:rPr>
+              <a:t>Choose User</a:t>
+            </a:r>
+          </a:p>
+          <a:p>
+            <a:r>
+              <a:rPr lang="en-US" dirty="0">
+                <a:solidFill>
+                  <a:schemeClr val="accent2">
+                    <a:lumMod val="75000"/>
+                  </a:schemeClr>
+                </a:solidFill>
+              </a:rPr>
+              <a:t>Choose Room</a:t>
+            </a:r>
+          </a:p>
+          <a:p>
+            <a:r>
+              <a:rPr lang="en-US" dirty="0">
+                <a:solidFill>
+                  <a:schemeClr val="accent2">
+                    <a:lumMod val="75000"/>
+                  </a:schemeClr>
+                </a:solidFill>
+              </a:rPr>
+              <a:t>Choose Section</a:t>
+            </a:r>
+          </a:p>
+          <a:p>
+            <a:r>
+              <a:rPr lang="en-US" dirty="0">
+                <a:solidFill>
+                  <a:schemeClr val="accent2">
+                    <a:lumMod val="75000"/>
+                  </a:schemeClr>
+                </a:solidFill>
+              </a:rPr>
+              <a:t>Run Scheduler</a:t>
+            </a:r>
+          </a:p>
+        </p:txBody>
+      </p:sp>
+    </p:spTree>
+    <p:extLst>
+      <p:ext uri="{BB962C8B-B14F-4D97-AF65-F5344CB8AC3E}">
+        <p14:creationId xmlns:p14="http://schemas.microsoft.com/office/powerpoint/2010/main" val="2019961057"/>
+      </p:ext>
+    </p:extLst>
+  </p:cSld>
+  <p:clrMapOvr>
+    <a:masterClrMapping/>
+  </p:clrMapOvr>
+</p:sld>
+</file>
+
+<file path=ppt/slides/slide4.xml><?xml version="1.0" encoding="utf-8"?>
+<p:sld xmlns:a="http://schemas.openxmlformats.org/drawingml/2006/main" xmlns:r="http://schemas.openxmlformats.org/officeDocument/2006/relationships" xmlns:p="http://schemas.openxmlformats.org/presentationml/2006/main">
+  <p:cSld>
+    <p:spTree>
+      <p:nvGrpSpPr>
+        <p:cNvPr id="1" name=""/>
+        <p:cNvGrpSpPr/>
+        <p:nvPr/>
+      </p:nvGrpSpPr>
+      <p:grpSpPr>
+        <a:xfrm>
+          <a:off x="0" y="0"/>
+          <a:ext cx="0" cy="0"/>
+          <a:chOff x="0" y="0"/>
+          <a:chExt cx="0" cy="0"/>
+        </a:xfrm>
+      </p:grpSpPr>
+      <p:sp>
+        <p:nvSpPr>
+          <p:cNvPr id="4" name="Flowchart: Magnetic Disk 3">
+            <a:extLst>
+              <a:ext uri="{FF2B5EF4-FFF2-40B4-BE49-F238E27FC236}">
+                <a16:creationId xmlns:a16="http://schemas.microsoft.com/office/drawing/2014/main" id="{8E897294-71DB-4475-8403-DAAF15112A5B}"/>
+              </a:ext>
+            </a:extLst>
+          </p:cNvPr>
+          <p:cNvSpPr/>
+          <p:nvPr/>
+        </p:nvSpPr>
+        <p:spPr>
+          <a:xfrm>
+            <a:off x="318782" y="383142"/>
+            <a:ext cx="2533475" cy="3288484"/>
+          </a:xfrm>
+          <a:prstGeom prst="flowChartMagneticDisk">
+            <a:avLst/>
+          </a:prstGeom>
+        </p:spPr>
+        <p:style>
+          <a:lnRef idx="2">
+            <a:schemeClr val="accent1">
+              <a:shade val="50000"/>
+            </a:schemeClr>
+          </a:lnRef>
+          <a:fillRef idx="1">
+            <a:schemeClr val="accent1"/>
+          </a:fillRef>
+          <a:effectRef idx="0">
+            <a:schemeClr val="accent1"/>
+          </a:effectRef>
+          <a:fontRef idx="minor">
+            <a:schemeClr val="lt1"/>
+          </a:fontRef>
+        </p:style>
+        <p:txBody>
+          <a:bodyPr rtlCol="0" anchor="ctr"/>
+          <a:lstStyle/>
+          <a:p>
+            <a:pPr algn="ctr"/>
+            <a:r>
+              <a:rPr lang="en-US" u="sng" dirty="0" err="1"/>
+              <a:t>user_schedule</a:t>
+            </a:r>
+            <a:endParaRPr lang="en-US" u="sng" dirty="0"/>
+          </a:p>
+          <a:p>
+            <a:pPr algn="ctr"/>
+            <a:r>
+              <a:rPr lang="en-US" dirty="0"/>
+              <a:t>USID</a:t>
+            </a:r>
+          </a:p>
+          <a:p>
+            <a:pPr algn="ctr"/>
+            <a:r>
+              <a:rPr lang="en-US" dirty="0"/>
+              <a:t>UID</a:t>
+            </a:r>
+          </a:p>
+          <a:p>
+            <a:pPr algn="ctr"/>
+            <a:r>
+              <a:rPr lang="en-US" dirty="0"/>
+              <a:t>day (varchar)</a:t>
+            </a:r>
+          </a:p>
+          <a:p>
+            <a:pPr algn="ctr"/>
+            <a:r>
+              <a:rPr lang="en-US" dirty="0" err="1"/>
+              <a:t>available_time</a:t>
+            </a:r>
+            <a:r>
+              <a:rPr lang="en-US" dirty="0"/>
+              <a:t>(time)</a:t>
+            </a:r>
+          </a:p>
+          <a:p>
+            <a:pPr algn="ctr"/>
+            <a:r>
+              <a:rPr lang="en-US" dirty="0" err="1"/>
+              <a:t>end_time</a:t>
+            </a:r>
+            <a:r>
+              <a:rPr lang="en-US" dirty="0"/>
+              <a:t>(time)</a:t>
+            </a:r>
+          </a:p>
+          <a:p>
+            <a:pPr algn="ctr"/>
+            <a:r>
+              <a:rPr lang="en-US" dirty="0"/>
+              <a:t>SEID</a:t>
+            </a:r>
+          </a:p>
+          <a:p>
+            <a:pPr algn="ctr"/>
+            <a:endParaRPr lang="en-US" dirty="0"/>
+          </a:p>
+        </p:txBody>
+      </p:sp>
+      <p:graphicFrame>
+        <p:nvGraphicFramePr>
+          <p:cNvPr id="5" name="Table 4">
+            <a:extLst>
+              <a:ext uri="{FF2B5EF4-FFF2-40B4-BE49-F238E27FC236}">
+                <a16:creationId xmlns:a16="http://schemas.microsoft.com/office/drawing/2014/main" id="{4E2554E5-E243-4A4B-B116-22F8863AFD06}"/>
+              </a:ext>
+            </a:extLst>
+          </p:cNvPr>
+          <p:cNvGraphicFramePr>
+            <a:graphicFrameLocks noGrp="1"/>
+          </p:cNvGraphicFramePr>
+          <p:nvPr>
+            <p:extLst>
+              <p:ext uri="{D42A27DB-BD31-4B8C-83A1-F6EECF244321}">
+                <p14:modId xmlns:p14="http://schemas.microsoft.com/office/powerpoint/2010/main" val="1101079581"/>
+              </p:ext>
+            </p:extLst>
+          </p:nvPr>
+        </p:nvGraphicFramePr>
+        <p:xfrm>
+          <a:off x="3087149" y="567352"/>
+          <a:ext cx="9020958" cy="2966720"/>
+        </p:xfrm>
+        <a:graphic>
+          <a:graphicData uri="http://schemas.openxmlformats.org/drawingml/2006/table">
+            <a:tbl>
+              <a:tblPr firstRow="1" bandRow="1">
+                <a:tableStyleId>{5C22544A-7EE6-4342-B048-85BDC9FD1C3A}</a:tableStyleId>
+              </a:tblPr>
+              <a:tblGrid>
+                <a:gridCol w="1503493">
+                  <a:extLst>
+                    <a:ext uri="{9D8B030D-6E8A-4147-A177-3AD203B41FA5}">
+                      <a16:colId xmlns:a16="http://schemas.microsoft.com/office/drawing/2014/main" val="805670874"/>
+                    </a:ext>
+                  </a:extLst>
+                </a:gridCol>
+                <a:gridCol w="1503493">
+                  <a:extLst>
+                    <a:ext uri="{9D8B030D-6E8A-4147-A177-3AD203B41FA5}">
+                      <a16:colId xmlns:a16="http://schemas.microsoft.com/office/drawing/2014/main" val="2124141316"/>
+                    </a:ext>
+                  </a:extLst>
+                </a:gridCol>
+                <a:gridCol w="1503493">
+                  <a:extLst>
+                    <a:ext uri="{9D8B030D-6E8A-4147-A177-3AD203B41FA5}">
+                      <a16:colId xmlns:a16="http://schemas.microsoft.com/office/drawing/2014/main" val="2152402722"/>
+                    </a:ext>
+                  </a:extLst>
+                </a:gridCol>
+                <a:gridCol w="1831598">
+                  <a:extLst>
+                    <a:ext uri="{9D8B030D-6E8A-4147-A177-3AD203B41FA5}">
+                      <a16:colId xmlns:a16="http://schemas.microsoft.com/office/drawing/2014/main" val="4159266451"/>
+                    </a:ext>
+                  </a:extLst>
+                </a:gridCol>
+                <a:gridCol w="1476462">
+                  <a:extLst>
+                    <a:ext uri="{9D8B030D-6E8A-4147-A177-3AD203B41FA5}">
+                      <a16:colId xmlns:a16="http://schemas.microsoft.com/office/drawing/2014/main" val="1939856961"/>
+                    </a:ext>
+                  </a:extLst>
+                </a:gridCol>
+                <a:gridCol w="1202419">
+                  <a:extLst>
+                    <a:ext uri="{9D8B030D-6E8A-4147-A177-3AD203B41FA5}">
+                      <a16:colId xmlns:a16="http://schemas.microsoft.com/office/drawing/2014/main" val="1295789622"/>
+                    </a:ext>
+                  </a:extLst>
+                </a:gridCol>
+              </a:tblGrid>
+              <a:tr h="370840">
+                <a:tc>
+                  <a:txBody>
+                    <a:bodyPr/>
+                    <a:lstStyle/>
+                    <a:p>
+                      <a:r>
+                        <a:rPr lang="en-US" dirty="0"/>
+                        <a:t>USID</a:t>
+                      </a:r>
+                    </a:p>
+                  </a:txBody>
+                  <a:tcPr/>
+                </a:tc>
+                <a:tc>
+                  <a:txBody>
+                    <a:bodyPr/>
+                    <a:lstStyle/>
+                    <a:p>
+                      <a:r>
+                        <a:rPr lang="en-US" dirty="0"/>
+                        <a:t>UID</a:t>
+                      </a:r>
+                    </a:p>
+                  </a:txBody>
+                  <a:tcPr/>
+                </a:tc>
+                <a:tc>
+                  <a:txBody>
+                    <a:bodyPr/>
+                    <a:lstStyle/>
+                    <a:p>
+                      <a:r>
+                        <a:rPr lang="en-US" dirty="0"/>
+                        <a:t>day</a:t>
+                      </a:r>
+                    </a:p>
+                  </a:txBody>
+                  <a:tcPr/>
+                </a:tc>
+                <a:tc>
+                  <a:txBody>
+                    <a:bodyPr/>
+                    <a:lstStyle/>
+                    <a:p>
+                      <a:r>
+                        <a:rPr lang="en-US" dirty="0" err="1"/>
+                        <a:t>available_time</a:t>
+                      </a:r>
+                      <a:endParaRPr lang="en-US" dirty="0"/>
+                    </a:p>
+                  </a:txBody>
+                  <a:tcPr/>
+                </a:tc>
+                <a:tc>
+                  <a:txBody>
+                    <a:bodyPr/>
+                    <a:lstStyle/>
+                    <a:p>
+                      <a:r>
+                        <a:rPr lang="en-US" dirty="0" err="1"/>
+                        <a:t>end_time</a:t>
+                      </a:r>
+                      <a:endParaRPr lang="en-US" dirty="0"/>
+                    </a:p>
+                  </a:txBody>
+                  <a:tcPr/>
+                </a:tc>
+                <a:tc>
+                  <a:txBody>
+                    <a:bodyPr/>
+                    <a:lstStyle/>
+                    <a:p>
+                      <a:r>
+                        <a:rPr lang="en-US" dirty="0"/>
+                        <a:t>SEID</a:t>
+                      </a:r>
+                    </a:p>
+                  </a:txBody>
+                  <a:tcPr/>
+                </a:tc>
+                <a:extLst>
+                  <a:ext uri="{0D108BD9-81ED-4DB2-BD59-A6C34878D82A}">
+                    <a16:rowId xmlns:a16="http://schemas.microsoft.com/office/drawing/2014/main" val="2575763153"/>
+                  </a:ext>
+                </a:extLst>
+              </a:tr>
+              <a:tr h="370840">
+                <a:tc>
+                  <a:txBody>
+                    <a:bodyPr/>
+                    <a:lstStyle/>
+                    <a:p>
+                      <a:r>
+                        <a:rPr lang="en-US" dirty="0"/>
+                        <a:t>1</a:t>
+                      </a:r>
+                    </a:p>
+                  </a:txBody>
+                  <a:tcPr/>
+                </a:tc>
+                <a:tc>
+                  <a:txBody>
+                    <a:bodyPr/>
+                    <a:lstStyle/>
+                    <a:p>
+                      <a:r>
+                        <a:rPr lang="en-US" dirty="0"/>
+                        <a:t>37</a:t>
+                      </a:r>
+                    </a:p>
+                  </a:txBody>
+                  <a:tcPr/>
+                </a:tc>
+                <a:tc>
+                  <a:txBody>
+                    <a:bodyPr/>
+                    <a:lstStyle/>
+                    <a:p>
+                      <a:r>
+                        <a:rPr lang="en-US" dirty="0"/>
+                        <a:t>Monday</a:t>
+                      </a:r>
+                    </a:p>
+                  </a:txBody>
+                  <a:tcPr/>
+                </a:tc>
+                <a:tc>
+                  <a:txBody>
+                    <a:bodyPr/>
+                    <a:lstStyle/>
+                    <a:p>
+                      <a:r>
+                        <a:rPr lang="en-US" dirty="0"/>
+                        <a:t>4:00pm</a:t>
+                      </a:r>
+                    </a:p>
+                  </a:txBody>
+                  <a:tcPr/>
+                </a:tc>
+                <a:tc>
+                  <a:txBody>
+                    <a:bodyPr/>
+                    <a:lstStyle/>
+                    <a:p>
+                      <a:r>
+                        <a:rPr lang="en-US" dirty="0"/>
+                        <a:t>9:00pm</a:t>
+                      </a:r>
+                    </a:p>
+                  </a:txBody>
+                  <a:tcPr/>
+                </a:tc>
+                <a:tc>
+                  <a:txBody>
+                    <a:bodyPr/>
+                    <a:lstStyle/>
+                    <a:p>
+                      <a:r>
+                        <a:rPr lang="en-US" dirty="0"/>
+                        <a:t>1</a:t>
+                      </a:r>
+                    </a:p>
+                  </a:txBody>
+                  <a:tcPr/>
+                </a:tc>
+                <a:extLst>
+                  <a:ext uri="{0D108BD9-81ED-4DB2-BD59-A6C34878D82A}">
+                    <a16:rowId xmlns:a16="http://schemas.microsoft.com/office/drawing/2014/main" val="1585784753"/>
+                  </a:ext>
+                </a:extLst>
+              </a:tr>
+              <a:tr h="370840">
+                <a:tc>
+                  <a:txBody>
+                    <a:bodyPr/>
+                    <a:lstStyle/>
+                    <a:p>
+                      <a:r>
+                        <a:rPr lang="en-US" dirty="0"/>
+                        <a:t>2</a:t>
+                      </a:r>
+                    </a:p>
+                  </a:txBody>
+                  <a:tcPr/>
+                </a:tc>
+                <a:tc>
+                  <a:txBody>
+                    <a:bodyPr/>
+                    <a:lstStyle/>
+                    <a:p>
+                      <a:r>
+                        <a:rPr lang="en-US" dirty="0"/>
+                        <a:t>37</a:t>
+                      </a:r>
+                    </a:p>
+                  </a:txBody>
+                  <a:tcPr/>
+                </a:tc>
+                <a:tc>
+                  <a:txBody>
+                    <a:bodyPr/>
+                    <a:lstStyle/>
+                    <a:p>
+                      <a:r>
+                        <a:rPr lang="en-US" dirty="0"/>
+                        <a:t>Wednesday</a:t>
+                      </a:r>
+                    </a:p>
+                  </a:txBody>
+                  <a:tcPr/>
+                </a:tc>
+                <a:tc>
+                  <a:txBody>
+                    <a:bodyPr/>
+                    <a:lstStyle/>
+                    <a:p>
+                      <a:pPr marL="0" marR="0" lvl="0" indent="0" algn="l" defTabSz="914400" rtl="0" eaLnBrk="1" fontAlgn="auto" latinLnBrk="0" hangingPunct="1">
+                        <a:lnSpc>
+                          <a:spcPct val="100000"/>
+                        </a:lnSpc>
+                        <a:spcBef>
+                          <a:spcPts val="0"/>
+                        </a:spcBef>
+                        <a:spcAft>
+                          <a:spcPts val="0"/>
+                        </a:spcAft>
+                        <a:buClrTx/>
+                        <a:buSzTx/>
+                        <a:buFontTx/>
+                        <a:buNone/>
+                        <a:tabLst/>
+                        <a:defRPr/>
+                      </a:pPr>
+                      <a:r>
+                        <a:rPr lang="en-US" dirty="0"/>
+                        <a:t>4:00pm</a:t>
+                      </a:r>
+                    </a:p>
+                  </a:txBody>
+                  <a:tcPr/>
+                </a:tc>
+                <a:tc>
+                  <a:txBody>
+                    <a:bodyPr/>
+                    <a:lstStyle/>
+                    <a:p>
+                      <a:pPr marL="0" marR="0" lvl="0" indent="0" algn="l" defTabSz="914400" rtl="0" eaLnBrk="1" fontAlgn="auto" latinLnBrk="0" hangingPunct="1">
+                        <a:lnSpc>
+                          <a:spcPct val="100000"/>
+                        </a:lnSpc>
+                        <a:spcBef>
+                          <a:spcPts val="0"/>
+                        </a:spcBef>
+                        <a:spcAft>
+                          <a:spcPts val="0"/>
+                        </a:spcAft>
+                        <a:buClrTx/>
+                        <a:buSzTx/>
+                        <a:buFontTx/>
+                        <a:buNone/>
+                        <a:tabLst/>
+                        <a:defRPr/>
+                      </a:pPr>
+                      <a:r>
+                        <a:rPr lang="en-US" dirty="0"/>
+                        <a:t>9:00pm</a:t>
+                      </a:r>
+                    </a:p>
+                  </a:txBody>
+                  <a:tcPr/>
+                </a:tc>
+                <a:tc>
+                  <a:txBody>
+                    <a:bodyPr/>
+                    <a:lstStyle/>
+                    <a:p>
+                      <a:pPr marL="0" marR="0" lvl="0" indent="0" algn="l" defTabSz="914400" rtl="0" eaLnBrk="1" fontAlgn="auto" latinLnBrk="0" hangingPunct="1">
+                        <a:lnSpc>
+                          <a:spcPct val="100000"/>
+                        </a:lnSpc>
+                        <a:spcBef>
+                          <a:spcPts val="0"/>
+                        </a:spcBef>
+                        <a:spcAft>
+                          <a:spcPts val="0"/>
+                        </a:spcAft>
+                        <a:buClrTx/>
+                        <a:buSzTx/>
+                        <a:buFontTx/>
+                        <a:buNone/>
+                        <a:tabLst/>
+                        <a:defRPr/>
+                      </a:pPr>
+                      <a:r>
+                        <a:rPr lang="en-US" dirty="0"/>
+                        <a:t>1</a:t>
+                      </a:r>
+                    </a:p>
+                  </a:txBody>
+                  <a:tcPr/>
+                </a:tc>
+                <a:extLst>
+                  <a:ext uri="{0D108BD9-81ED-4DB2-BD59-A6C34878D82A}">
+                    <a16:rowId xmlns:a16="http://schemas.microsoft.com/office/drawing/2014/main" val="231495466"/>
+                  </a:ext>
+                </a:extLst>
+              </a:tr>
+              <a:tr h="370840">
+                <a:tc>
+                  <a:txBody>
+                    <a:bodyPr/>
+                    <a:lstStyle/>
+                    <a:p>
+                      <a:r>
+                        <a:rPr lang="en-US" dirty="0"/>
+                        <a:t>3</a:t>
+                      </a:r>
+                    </a:p>
+                  </a:txBody>
+                  <a:tcPr/>
+                </a:tc>
+                <a:tc>
+                  <a:txBody>
+                    <a:bodyPr/>
+                    <a:lstStyle/>
+                    <a:p>
+                      <a:r>
+                        <a:rPr lang="en-US" dirty="0"/>
+                        <a:t>37</a:t>
+                      </a:r>
+                    </a:p>
+                  </a:txBody>
+                  <a:tcPr/>
+                </a:tc>
+                <a:tc>
+                  <a:txBody>
+                    <a:bodyPr/>
+                    <a:lstStyle/>
+                    <a:p>
+                      <a:r>
+                        <a:rPr lang="en-US" dirty="0"/>
+                        <a:t>Monday</a:t>
+                      </a:r>
+                    </a:p>
+                  </a:txBody>
+                  <a:tcPr/>
+                </a:tc>
+                <a:tc>
+                  <a:txBody>
+                    <a:bodyPr/>
+                    <a:lstStyle/>
+                    <a:p>
+                      <a:r>
+                        <a:rPr lang="en-US" dirty="0"/>
+                        <a:t>9:00am</a:t>
+                      </a:r>
+                    </a:p>
+                  </a:txBody>
+                  <a:tcPr/>
+                </a:tc>
+                <a:tc>
+                  <a:txBody>
+                    <a:bodyPr/>
+                    <a:lstStyle/>
+                    <a:p>
+                      <a:r>
+                        <a:rPr lang="en-US" dirty="0"/>
+                        <a:t>12:00pm</a:t>
+                      </a:r>
+                    </a:p>
+                  </a:txBody>
+                  <a:tcPr/>
+                </a:tc>
+                <a:tc>
+                  <a:txBody>
+                    <a:bodyPr/>
+                    <a:lstStyle/>
+                    <a:p>
+                      <a:r>
+                        <a:rPr lang="en-US" dirty="0"/>
+                        <a:t>1</a:t>
+                      </a:r>
+                    </a:p>
+                  </a:txBody>
+                  <a:tcPr/>
+                </a:tc>
+                <a:extLst>
+                  <a:ext uri="{0D108BD9-81ED-4DB2-BD59-A6C34878D82A}">
+                    <a16:rowId xmlns:a16="http://schemas.microsoft.com/office/drawing/2014/main" val="5248840"/>
+                  </a:ext>
+                </a:extLst>
+              </a:tr>
+              <a:tr h="370840">
+                <a:tc>
+                  <a:txBody>
+                    <a:bodyPr/>
+                    <a:lstStyle/>
+                    <a:p>
+                      <a:endParaRPr lang="en-US" dirty="0"/>
+                    </a:p>
+                  </a:txBody>
+                  <a:tcPr/>
+                </a:tc>
+                <a:tc>
+                  <a:txBody>
+                    <a:bodyPr/>
+                    <a:lstStyle/>
+                    <a:p>
+                      <a:endParaRPr lang="en-US" dirty="0"/>
+                    </a:p>
+                  </a:txBody>
+                  <a:tcPr/>
+                </a:tc>
+                <a:tc>
+                  <a:txBody>
+                    <a:bodyPr/>
+                    <a:lstStyle/>
+                    <a:p>
+                      <a:endParaRPr lang="en-US" dirty="0"/>
+                    </a:p>
+                  </a:txBody>
+                  <a:tcPr/>
+                </a:tc>
+                <a:tc>
+                  <a:txBody>
+                    <a:bodyPr/>
+                    <a:lstStyle/>
+                    <a:p>
+                      <a:endParaRPr lang="en-US" dirty="0"/>
+                    </a:p>
+                  </a:txBody>
+                  <a:tcPr/>
+                </a:tc>
+                <a:tc>
+                  <a:txBody>
+                    <a:bodyPr/>
+                    <a:lstStyle/>
+                    <a:p>
+                      <a:endParaRPr lang="en-US" dirty="0"/>
+                    </a:p>
+                  </a:txBody>
+                  <a:tcPr/>
+                </a:tc>
+                <a:tc>
+                  <a:txBody>
+                    <a:bodyPr/>
+                    <a:lstStyle/>
+                    <a:p>
+                      <a:endParaRPr lang="en-US" dirty="0"/>
+                    </a:p>
+                  </a:txBody>
+                  <a:tcPr/>
+                </a:tc>
+                <a:extLst>
+                  <a:ext uri="{0D108BD9-81ED-4DB2-BD59-A6C34878D82A}">
+                    <a16:rowId xmlns:a16="http://schemas.microsoft.com/office/drawing/2014/main" val="120131687"/>
+                  </a:ext>
+                </a:extLst>
+              </a:tr>
+              <a:tr h="370840">
+                <a:tc>
+                  <a:txBody>
+                    <a:bodyPr/>
+                    <a:lstStyle/>
+                    <a:p>
+                      <a:endParaRPr lang="en-US" dirty="0"/>
+                    </a:p>
+                  </a:txBody>
+                  <a:tcPr/>
+                </a:tc>
+                <a:tc>
+                  <a:txBody>
+                    <a:bodyPr/>
+                    <a:lstStyle/>
+                    <a:p>
+                      <a:endParaRPr lang="en-US" dirty="0"/>
+                    </a:p>
+                  </a:txBody>
+                  <a:tcPr/>
+                </a:tc>
+                <a:tc>
+                  <a:txBody>
+                    <a:bodyPr/>
+                    <a:lstStyle/>
+                    <a:p>
+                      <a:endParaRPr lang="en-US" dirty="0"/>
+                    </a:p>
+                  </a:txBody>
+                  <a:tcPr/>
+                </a:tc>
+                <a:tc>
+                  <a:txBody>
+                    <a:bodyPr/>
+                    <a:lstStyle/>
+                    <a:p>
+                      <a:endParaRPr lang="en-US" dirty="0"/>
+                    </a:p>
+                  </a:txBody>
+                  <a:tcPr/>
+                </a:tc>
+                <a:tc>
+                  <a:txBody>
+                    <a:bodyPr/>
+                    <a:lstStyle/>
+                    <a:p>
+                      <a:endParaRPr lang="en-US" dirty="0"/>
+                    </a:p>
+                  </a:txBody>
+                  <a:tcPr/>
+                </a:tc>
+                <a:tc>
+                  <a:txBody>
+                    <a:bodyPr/>
+                    <a:lstStyle/>
+                    <a:p>
+                      <a:endParaRPr lang="en-US" dirty="0"/>
+                    </a:p>
+                  </a:txBody>
+                  <a:tcPr/>
+                </a:tc>
+                <a:extLst>
+                  <a:ext uri="{0D108BD9-81ED-4DB2-BD59-A6C34878D82A}">
+                    <a16:rowId xmlns:a16="http://schemas.microsoft.com/office/drawing/2014/main" val="4129258202"/>
+                  </a:ext>
+                </a:extLst>
+              </a:tr>
+              <a:tr h="370840">
+                <a:tc>
+                  <a:txBody>
+                    <a:bodyPr/>
+                    <a:lstStyle/>
+                    <a:p>
+                      <a:endParaRPr lang="en-US" dirty="0"/>
+                    </a:p>
+                  </a:txBody>
+                  <a:tcPr/>
+                </a:tc>
+                <a:tc>
+                  <a:txBody>
+                    <a:bodyPr/>
+                    <a:lstStyle/>
+                    <a:p>
+                      <a:endParaRPr lang="en-US" dirty="0"/>
+                    </a:p>
+                  </a:txBody>
+                  <a:tcPr/>
+                </a:tc>
+                <a:tc>
+                  <a:txBody>
+                    <a:bodyPr/>
+                    <a:lstStyle/>
+                    <a:p>
+                      <a:endParaRPr lang="en-US" dirty="0"/>
+                    </a:p>
+                  </a:txBody>
+                  <a:tcPr/>
+                </a:tc>
+                <a:tc>
+                  <a:txBody>
+                    <a:bodyPr/>
+                    <a:lstStyle/>
+                    <a:p>
+                      <a:endParaRPr lang="en-US" dirty="0"/>
+                    </a:p>
+                  </a:txBody>
+                  <a:tcPr/>
+                </a:tc>
+                <a:tc>
+                  <a:txBody>
+                    <a:bodyPr/>
+                    <a:lstStyle/>
+                    <a:p>
+                      <a:endParaRPr lang="en-US" dirty="0"/>
+                    </a:p>
+                  </a:txBody>
+                  <a:tcPr/>
+                </a:tc>
+                <a:tc>
+                  <a:txBody>
+                    <a:bodyPr/>
+                    <a:lstStyle/>
+                    <a:p>
+                      <a:endParaRPr lang="en-US" dirty="0"/>
+                    </a:p>
+                  </a:txBody>
+                  <a:tcPr/>
+                </a:tc>
+                <a:extLst>
+                  <a:ext uri="{0D108BD9-81ED-4DB2-BD59-A6C34878D82A}">
+                    <a16:rowId xmlns:a16="http://schemas.microsoft.com/office/drawing/2014/main" val="960481960"/>
+                  </a:ext>
+                </a:extLst>
+              </a:tr>
+              <a:tr h="370840">
+                <a:tc>
+                  <a:txBody>
+                    <a:bodyPr/>
+                    <a:lstStyle/>
+                    <a:p>
+                      <a:endParaRPr lang="en-US" dirty="0"/>
+                    </a:p>
+                  </a:txBody>
+                  <a:tcPr/>
+                </a:tc>
+                <a:tc>
+                  <a:txBody>
+                    <a:bodyPr/>
+                    <a:lstStyle/>
+                    <a:p>
+                      <a:endParaRPr lang="en-US" dirty="0"/>
+                    </a:p>
+                  </a:txBody>
+                  <a:tcPr/>
+                </a:tc>
+                <a:tc>
+                  <a:txBody>
+                    <a:bodyPr/>
+                    <a:lstStyle/>
+                    <a:p>
+                      <a:endParaRPr lang="en-US" dirty="0"/>
+                    </a:p>
+                  </a:txBody>
+                  <a:tcPr/>
+                </a:tc>
+                <a:tc>
+                  <a:txBody>
+                    <a:bodyPr/>
+                    <a:lstStyle/>
+                    <a:p>
+                      <a:endParaRPr lang="en-US" dirty="0"/>
+                    </a:p>
+                  </a:txBody>
+                  <a:tcPr/>
+                </a:tc>
+                <a:tc>
+                  <a:txBody>
+                    <a:bodyPr/>
+                    <a:lstStyle/>
+                    <a:p>
+                      <a:endParaRPr lang="en-US" dirty="0"/>
+                    </a:p>
+                  </a:txBody>
+                  <a:tcPr/>
+                </a:tc>
+                <a:tc>
+                  <a:txBody>
+                    <a:bodyPr/>
+                    <a:lstStyle/>
+                    <a:p>
+                      <a:endParaRPr lang="en-US" dirty="0"/>
+                    </a:p>
+                  </a:txBody>
+                  <a:tcPr/>
+                </a:tc>
+                <a:extLst>
+                  <a:ext uri="{0D108BD9-81ED-4DB2-BD59-A6C34878D82A}">
+                    <a16:rowId xmlns:a16="http://schemas.microsoft.com/office/drawing/2014/main" val="1630741036"/>
+                  </a:ext>
+                </a:extLst>
+              </a:tr>
+            </a:tbl>
+          </a:graphicData>
+        </a:graphic>
+      </p:graphicFrame>
+      <p:sp>
+        <p:nvSpPr>
+          <p:cNvPr id="6" name="TextBox 5">
+            <a:extLst>
+              <a:ext uri="{FF2B5EF4-FFF2-40B4-BE49-F238E27FC236}">
+                <a16:creationId xmlns:a16="http://schemas.microsoft.com/office/drawing/2014/main" id="{E6C21246-6ADF-4BDF-B19D-809E2DE9D908}"/>
+              </a:ext>
+            </a:extLst>
+          </p:cNvPr>
+          <p:cNvSpPr txBox="1"/>
+          <p:nvPr/>
+        </p:nvSpPr>
+        <p:spPr>
+          <a:xfrm>
+            <a:off x="1191237" y="4672668"/>
+            <a:ext cx="4169328" cy="1200329"/>
+          </a:xfrm>
+          <a:prstGeom prst="rect">
+            <a:avLst/>
+          </a:prstGeom>
+          <a:noFill/>
+        </p:spPr>
+        <p:txBody>
+          <a:bodyPr wrap="square" rtlCol="0">
+            <a:spAutoFit/>
+          </a:bodyPr>
+          <a:lstStyle/>
+          <a:p>
+            <a:r>
+              <a:rPr lang="en-US" dirty="0"/>
+              <a:t>if(</a:t>
+            </a:r>
+            <a:r>
+              <a:rPr lang="en-US" dirty="0" err="1"/>
+              <a:t>is_fte</a:t>
+            </a:r>
+            <a:r>
+              <a:rPr lang="en-US" dirty="0"/>
+              <a:t>)</a:t>
+            </a:r>
+          </a:p>
+          <a:p>
+            <a:r>
+              <a:rPr lang="en-US" dirty="0"/>
+              <a:t>	use full schedule.</a:t>
+            </a:r>
+          </a:p>
+          <a:p>
+            <a:r>
+              <a:rPr lang="en-US" dirty="0"/>
+              <a:t>else</a:t>
+            </a:r>
+          </a:p>
+          <a:p>
+            <a:r>
+              <a:rPr lang="en-US" dirty="0"/>
+              <a:t>	use </a:t>
+            </a:r>
+            <a:r>
+              <a:rPr lang="en-US" dirty="0" err="1"/>
+              <a:t>user_schedule</a:t>
+            </a:r>
+            <a:r>
+              <a:rPr lang="en-US" dirty="0"/>
+              <a:t>.</a:t>
+            </a:r>
+          </a:p>
+        </p:txBody>
+      </p:sp>
+    </p:spTree>
+    <p:extLst>
+      <p:ext uri="{BB962C8B-B14F-4D97-AF65-F5344CB8AC3E}">
+        <p14:creationId xmlns:p14="http://schemas.microsoft.com/office/powerpoint/2010/main" val="1569677774"/>
       </p:ext>
     </p:extLst>
   </p:cSld>
